--- a/slides/Introduction to git.pptx
+++ b/slides/Introduction to git.pptx
@@ -236,7 +236,7 @@
           <a:p>
             <a:fld id="{B4927FE6-A6CC-4CAC-8D6B-C7E2EC85FB52}" type="datetimeFigureOut">
               <a:rPr lang="sv-SE" smtClean="0"/>
-              <a:t>2019-03-21</a:t>
+              <a:t>2019-03-25</a:t>
             </a:fld>
             <a:endParaRPr lang="sv-SE" dirty="0"/>
           </a:p>
@@ -683,7 +683,7 @@
           <a:p>
             <a:fld id="{A9D13D6F-DF45-4A75-9D79-1CE93A99BEA7}" type="datetimeFigureOut">
               <a:rPr lang="sv-SE" smtClean="0"/>
-              <a:t>2019-03-21</a:t>
+              <a:t>2019-03-25</a:t>
             </a:fld>
             <a:endParaRPr lang="sv-SE" dirty="0"/>
           </a:p>
@@ -890,7 +890,7 @@
           <a:p>
             <a:fld id="{A9D13D6F-DF45-4A75-9D79-1CE93A99BEA7}" type="datetimeFigureOut">
               <a:rPr lang="sv-SE" smtClean="0"/>
-              <a:t>2019-03-21</a:t>
+              <a:t>2019-03-25</a:t>
             </a:fld>
             <a:endParaRPr lang="sv-SE" dirty="0"/>
           </a:p>
@@ -1068,7 +1068,7 @@
           <a:p>
             <a:fld id="{A9D13D6F-DF45-4A75-9D79-1CE93A99BEA7}" type="datetimeFigureOut">
               <a:rPr lang="sv-SE" smtClean="0"/>
-              <a:t>2019-03-21</a:t>
+              <a:t>2019-03-25</a:t>
             </a:fld>
             <a:endParaRPr lang="sv-SE" dirty="0"/>
           </a:p>
@@ -1272,7 +1272,7 @@
           <a:p>
             <a:fld id="{A9D13D6F-DF45-4A75-9D79-1CE93A99BEA7}" type="datetimeFigureOut">
               <a:rPr lang="sv-SE" smtClean="0"/>
-              <a:t>2019-03-21</a:t>
+              <a:t>2019-03-25</a:t>
             </a:fld>
             <a:endParaRPr lang="sv-SE" dirty="0"/>
           </a:p>
@@ -1517,7 +1517,7 @@
           <a:p>
             <a:fld id="{A9D13D6F-DF45-4A75-9D79-1CE93A99BEA7}" type="datetimeFigureOut">
               <a:rPr lang="sv-SE" smtClean="0"/>
-              <a:t>2019-03-21</a:t>
+              <a:t>2019-03-25</a:t>
             </a:fld>
             <a:endParaRPr lang="sv-SE" dirty="0"/>
           </a:p>
@@ -1842,7 +1842,7 @@
           <a:p>
             <a:fld id="{A9D13D6F-DF45-4A75-9D79-1CE93A99BEA7}" type="datetimeFigureOut">
               <a:rPr lang="sv-SE" smtClean="0"/>
-              <a:t>2019-03-21</a:t>
+              <a:t>2019-03-25</a:t>
             </a:fld>
             <a:endParaRPr lang="sv-SE" dirty="0"/>
           </a:p>
@@ -2305,7 +2305,7 @@
           <a:p>
             <a:fld id="{A9D13D6F-DF45-4A75-9D79-1CE93A99BEA7}" type="datetimeFigureOut">
               <a:rPr lang="sv-SE" smtClean="0"/>
-              <a:t>2019-03-21</a:t>
+              <a:t>2019-03-25</a:t>
             </a:fld>
             <a:endParaRPr lang="sv-SE" dirty="0"/>
           </a:p>
@@ -2422,7 +2422,7 @@
           <a:p>
             <a:fld id="{A9D13D6F-DF45-4A75-9D79-1CE93A99BEA7}" type="datetimeFigureOut">
               <a:rPr lang="sv-SE" smtClean="0"/>
-              <a:t>2019-03-21</a:t>
+              <a:t>2019-03-25</a:t>
             </a:fld>
             <a:endParaRPr lang="sv-SE" dirty="0"/>
           </a:p>
@@ -2517,7 +2517,7 @@
           <a:p>
             <a:fld id="{A9D13D6F-DF45-4A75-9D79-1CE93A99BEA7}" type="datetimeFigureOut">
               <a:rPr lang="sv-SE" smtClean="0"/>
-              <a:t>2019-03-21</a:t>
+              <a:t>2019-03-25</a:t>
             </a:fld>
             <a:endParaRPr lang="sv-SE" dirty="0"/>
           </a:p>
@@ -2804,7 +2804,7 @@
           <a:p>
             <a:fld id="{A9D13D6F-DF45-4A75-9D79-1CE93A99BEA7}" type="datetimeFigureOut">
               <a:rPr lang="sv-SE" smtClean="0"/>
-              <a:t>2019-03-21</a:t>
+              <a:t>2019-03-25</a:t>
             </a:fld>
             <a:endParaRPr lang="sv-SE" dirty="0"/>
           </a:p>
@@ -3064,7 +3064,7 @@
           <a:p>
             <a:fld id="{A9D13D6F-DF45-4A75-9D79-1CE93A99BEA7}" type="datetimeFigureOut">
               <a:rPr lang="sv-SE" smtClean="0"/>
-              <a:t>2019-03-21</a:t>
+              <a:t>2019-03-25</a:t>
             </a:fld>
             <a:endParaRPr lang="sv-SE" dirty="0"/>
           </a:p>
@@ -3278,7 +3278,7 @@
           <a:p>
             <a:fld id="{A9D13D6F-DF45-4A75-9D79-1CE93A99BEA7}" type="datetimeFigureOut">
               <a:rPr lang="sv-SE" smtClean="0"/>
-              <a:t>2019-03-21</a:t>
+              <a:t>2019-03-25</a:t>
             </a:fld>
             <a:endParaRPr lang="sv-SE" dirty="0"/>
           </a:p>
@@ -4686,10 +4686,7 @@
               <a:rPr lang="sv-SE" dirty="0" err="1"/>
               <a:t>branch</a:t>
             </a:r>
-            <a:r>
-              <a:rPr lang="sv-SE" dirty="0"/>
-              <a:t> for it</a:t>
-            </a:r>
+            <a:endParaRPr lang="sv-SE" dirty="0"/>
           </a:p>
           <a:p>
             <a:r>
@@ -5030,25 +5027,36 @@
           </a:p>
           <a:p>
             <a:r>
-              <a:rPr lang="sv-SE" dirty="0"/>
-              <a:t>http://</a:t>
-            </a:r>
-            <a:r>
-              <a:rPr lang="sv-SE" dirty="0" err="1"/>
-              <a:t>think</a:t>
-            </a:r>
-            <a:r>
-              <a:rPr lang="sv-SE" dirty="0"/>
-              <a:t>-like-a-</a:t>
-            </a:r>
-            <a:r>
-              <a:rPr lang="sv-SE" dirty="0" err="1"/>
-              <a:t>git.net</a:t>
-            </a:r>
-            <a:r>
-              <a:rPr lang="sv-SE" dirty="0"/>
-              <a:t>/</a:t>
-            </a:r>
+              <a:rPr lang="sv-SE" dirty="0">
+                <a:hlinkClick r:id="rId4"/>
+              </a:rPr>
+              <a:t>http://think-like-a-git.net/</a:t>
+            </a:r>
+            <a:endParaRPr lang="sv-SE" dirty="0"/>
+          </a:p>
+          <a:p>
+            <a:r>
+              <a:rPr lang="sv-SE" dirty="0">
+                <a:hlinkClick r:id="rId5"/>
+              </a:rPr>
+              <a:t>https://gitignore.io/</a:t>
+            </a:r>
+            <a:endParaRPr lang="sv-SE" dirty="0"/>
+          </a:p>
+          <a:p>
+            <a:r>
+              <a:rPr lang="sv-SE" dirty="0">
+                <a:hlinkClick r:id="rId6"/>
+              </a:rPr>
+              <a:t>https://github.com/Microsoft/Git-Credential-Manager-for-Windows</a:t>
+            </a:r>
+            <a:endParaRPr lang="sv-SE" dirty="0"/>
+          </a:p>
+          <a:p>
+            <a:pPr marL="0" indent="0">
+              <a:buNone/>
+            </a:pPr>
+            <a:endParaRPr lang="sv-SE" dirty="0"/>
           </a:p>
         </p:txBody>
       </p:sp>
@@ -8929,23 +8937,7 @@
           <a:p>
             <a:r>
               <a:rPr lang="sv-SE" dirty="0"/>
-              <a:t>http://</a:t>
-            </a:r>
-            <a:r>
-              <a:rPr lang="sv-SE" dirty="0" err="1"/>
-              <a:t>git-school.github.io</a:t>
-            </a:r>
-            <a:r>
-              <a:rPr lang="sv-SE" dirty="0"/>
-              <a:t>/</a:t>
-            </a:r>
-            <a:r>
-              <a:rPr lang="sv-SE" dirty="0" err="1"/>
-              <a:t>visualizing-git</a:t>
-            </a:r>
-            <a:r>
-              <a:rPr lang="sv-SE" dirty="0"/>
-              <a:t>/</a:t>
+              <a:t> </a:t>
             </a:r>
           </a:p>
         </p:txBody>
@@ -9555,18 +9547,18 @@
 </file>
 
 <file path=customXml/item1.xml><?xml version="1.0" encoding="utf-8"?>
-<p:properties xmlns:p="http://schemas.microsoft.com/office/2006/metadata/properties" xmlns:xsi="http://www.w3.org/2001/XMLSchema-instance" xmlns:pc="http://schemas.microsoft.com/office/infopath/2007/PartnerControls">
-  <documentManagement/>
-</p:properties>
-</file>
-
-<file path=customXml/item2.xml><?xml version="1.0" encoding="utf-8"?>
 <?mso-contentType ?>
 <FormTemplates xmlns="http://schemas.microsoft.com/sharepoint/v3/contenttype/forms">
   <Display>DocumentLibraryForm</Display>
   <Edit>DocumentLibraryForm</Edit>
   <New>DocumentLibraryForm</New>
 </FormTemplates>
+</file>
+
+<file path=customXml/item2.xml><?xml version="1.0" encoding="utf-8"?>
+<p:properties xmlns:p="http://schemas.microsoft.com/office/2006/metadata/properties" xmlns:xsi="http://www.w3.org/2001/XMLSchema-instance" xmlns:pc="http://schemas.microsoft.com/office/infopath/2007/PartnerControls">
+  <documentManagement/>
+</p:properties>
 </file>
 
 <file path=customXml/item3.xml><?xml version="1.0" encoding="utf-8"?>
@@ -9735,18 +9727,18 @@
 </file>
 
 <file path=customXml/itemProps1.xml><?xml version="1.0" encoding="utf-8"?>
-<ds:datastoreItem xmlns:ds="http://schemas.openxmlformats.org/officeDocument/2006/customXml" ds:itemID="{A538565C-9970-4116-BDA7-9527864CBAF9}">
+<ds:datastoreItem xmlns:ds="http://schemas.openxmlformats.org/officeDocument/2006/customXml" ds:itemID="{CE4DDB96-8611-4C18-8F15-4D0CFD7E4681}">
   <ds:schemaRefs>
-    <ds:schemaRef ds:uri="http://schemas.microsoft.com/office/2006/metadata/properties"/>
-    <ds:schemaRef ds:uri="http://schemas.microsoft.com/office/infopath/2007/PartnerControls"/>
+    <ds:schemaRef ds:uri="http://schemas.microsoft.com/sharepoint/v3/contenttype/forms"/>
   </ds:schemaRefs>
 </ds:datastoreItem>
 </file>
 
 <file path=customXml/itemProps2.xml><?xml version="1.0" encoding="utf-8"?>
-<ds:datastoreItem xmlns:ds="http://schemas.openxmlformats.org/officeDocument/2006/customXml" ds:itemID="{CE4DDB96-8611-4C18-8F15-4D0CFD7E4681}">
+<ds:datastoreItem xmlns:ds="http://schemas.openxmlformats.org/officeDocument/2006/customXml" ds:itemID="{A538565C-9970-4116-BDA7-9527864CBAF9}">
   <ds:schemaRefs>
-    <ds:schemaRef ds:uri="http://schemas.microsoft.com/sharepoint/v3/contenttype/forms"/>
+    <ds:schemaRef ds:uri="http://schemas.microsoft.com/office/2006/metadata/properties"/>
+    <ds:schemaRef ds:uri="http://schemas.microsoft.com/office/infopath/2007/PartnerControls"/>
   </ds:schemaRefs>
 </ds:datastoreItem>
 </file>

--- a/slides/Introduction to git.pptx
+++ b/slides/Introduction to git.pptx
@@ -5,24 +5,25 @@
     <p:sldMasterId id="2147483674" r:id="rId4"/>
   </p:sldMasterIdLst>
   <p:notesMasterIdLst>
-    <p:notesMasterId r:id="rId20"/>
+    <p:notesMasterId r:id="rId21"/>
   </p:notesMasterIdLst>
   <p:sldIdLst>
     <p:sldId id="256" r:id="rId5"/>
-    <p:sldId id="261" r:id="rId6"/>
-    <p:sldId id="262" r:id="rId7"/>
-    <p:sldId id="263" r:id="rId8"/>
-    <p:sldId id="266" r:id="rId9"/>
-    <p:sldId id="267" r:id="rId10"/>
-    <p:sldId id="269" r:id="rId11"/>
-    <p:sldId id="270" r:id="rId12"/>
-    <p:sldId id="257" r:id="rId13"/>
-    <p:sldId id="264" r:id="rId14"/>
-    <p:sldId id="265" r:id="rId15"/>
-    <p:sldId id="258" r:id="rId16"/>
-    <p:sldId id="268" r:id="rId17"/>
-    <p:sldId id="260" r:id="rId18"/>
-    <p:sldId id="259" r:id="rId19"/>
+    <p:sldId id="271" r:id="rId6"/>
+    <p:sldId id="261" r:id="rId7"/>
+    <p:sldId id="262" r:id="rId8"/>
+    <p:sldId id="263" r:id="rId9"/>
+    <p:sldId id="266" r:id="rId10"/>
+    <p:sldId id="267" r:id="rId11"/>
+    <p:sldId id="269" r:id="rId12"/>
+    <p:sldId id="270" r:id="rId13"/>
+    <p:sldId id="257" r:id="rId14"/>
+    <p:sldId id="264" r:id="rId15"/>
+    <p:sldId id="265" r:id="rId16"/>
+    <p:sldId id="258" r:id="rId17"/>
+    <p:sldId id="268" r:id="rId18"/>
+    <p:sldId id="260" r:id="rId19"/>
+    <p:sldId id="259" r:id="rId20"/>
   </p:sldIdLst>
   <p:sldSz cx="9144000" cy="6858000" type="screen4x3"/>
   <p:notesSz cx="6858000" cy="9144000"/>
@@ -3792,13 +3793,7 @@
       </p:grpSpPr>
       <p:sp>
         <p:nvSpPr>
-          <p:cNvPr id="2" name="Title 1">
-            <a:extLst>
-              <a:ext uri="{FF2B5EF4-FFF2-40B4-BE49-F238E27FC236}">
-                <a16:creationId xmlns:a16="http://schemas.microsoft.com/office/drawing/2014/main" id="{A0AB4405-A342-8A46-B0CD-4DBDCACC89B0}"/>
-              </a:ext>
-            </a:extLst>
-          </p:cNvPr>
+          <p:cNvPr id="2" name="Title 1"/>
           <p:cNvSpPr>
             <a:spLocks noGrp="1"/>
           </p:cNvSpPr>
@@ -3813,25 +3808,14 @@
           <a:p>
             <a:r>
               <a:rPr lang="sv-SE" dirty="0"/>
-              <a:t>.</a:t>
-            </a:r>
-            <a:r>
-              <a:rPr lang="sv-SE" dirty="0" err="1"/>
-              <a:t>gitignore</a:t>
-            </a:r>
-            <a:endParaRPr lang="sv-SE" dirty="0"/>
-          </a:p>
-        </p:txBody>
-      </p:sp>
-      <p:sp>
-        <p:nvSpPr>
-          <p:cNvPr id="3" name="Content Placeholder 2">
-            <a:extLst>
-              <a:ext uri="{FF2B5EF4-FFF2-40B4-BE49-F238E27FC236}">
-                <a16:creationId xmlns:a16="http://schemas.microsoft.com/office/drawing/2014/main" id="{BEC8559D-FEE1-CB4B-B7ED-7B57DBF0E95A}"/>
-              </a:ext>
-            </a:extLst>
-          </p:cNvPr>
+              <a:t>Demo</a:t>
+            </a:r>
+          </a:p>
+        </p:txBody>
+      </p:sp>
+      <p:sp>
+        <p:nvSpPr>
+          <p:cNvPr id="3" name="Content Placeholder 2"/>
           <p:cNvSpPr>
             <a:spLocks noGrp="1"/>
           </p:cNvSpPr>
@@ -3846,149 +3830,15 @@
           <a:p>
             <a:r>
               <a:rPr lang="sv-SE" dirty="0"/>
-              <a:t>.</a:t>
-            </a:r>
-            <a:r>
-              <a:rPr lang="sv-SE" dirty="0" err="1"/>
-              <a:t>gitignore</a:t>
-            </a:r>
-            <a:r>
-              <a:rPr lang="sv-SE" dirty="0"/>
-              <a:t> is a </a:t>
-            </a:r>
-            <a:r>
-              <a:rPr lang="sv-SE" dirty="0" err="1"/>
-              <a:t>file</a:t>
-            </a:r>
-            <a:r>
-              <a:rPr lang="sv-SE" dirty="0"/>
-              <a:t> in the </a:t>
-            </a:r>
-            <a:r>
-              <a:rPr lang="sv-SE" dirty="0" err="1"/>
-              <a:t>root</a:t>
-            </a:r>
-            <a:r>
-              <a:rPr lang="sv-SE" dirty="0"/>
-              <a:t>-folder </a:t>
-            </a:r>
-            <a:r>
-              <a:rPr lang="sv-SE" dirty="0" err="1"/>
-              <a:t>of</a:t>
-            </a:r>
-            <a:r>
-              <a:rPr lang="sv-SE" dirty="0"/>
-              <a:t> the </a:t>
-            </a:r>
-            <a:r>
-              <a:rPr lang="sv-SE" dirty="0" err="1"/>
-              <a:t>repository</a:t>
-            </a:r>
-            <a:r>
-              <a:rPr lang="sv-SE" dirty="0"/>
               <a:t> </a:t>
             </a:r>
-            <a:r>
-              <a:rPr lang="sv-SE" dirty="0" err="1"/>
-              <a:t>that</a:t>
-            </a:r>
-            <a:r>
-              <a:rPr lang="sv-SE" dirty="0"/>
-              <a:t> </a:t>
-            </a:r>
-            <a:r>
-              <a:rPr lang="sv-SE" dirty="0" err="1"/>
-              <a:t>tells</a:t>
-            </a:r>
-            <a:r>
-              <a:rPr lang="sv-SE" dirty="0"/>
-              <a:t> </a:t>
-            </a:r>
-            <a:r>
-              <a:rPr lang="sv-SE" dirty="0" err="1"/>
-              <a:t>git</a:t>
-            </a:r>
-            <a:r>
-              <a:rPr lang="sv-SE" dirty="0"/>
-              <a:t> </a:t>
-            </a:r>
-            <a:r>
-              <a:rPr lang="sv-SE" dirty="0" err="1"/>
-              <a:t>what</a:t>
-            </a:r>
-            <a:r>
-              <a:rPr lang="sv-SE" dirty="0"/>
-              <a:t> </a:t>
-            </a:r>
-            <a:r>
-              <a:rPr lang="sv-SE" dirty="0" err="1"/>
-              <a:t>files</a:t>
-            </a:r>
-            <a:r>
-              <a:rPr lang="sv-SE" dirty="0"/>
-              <a:t> to </a:t>
-            </a:r>
-            <a:r>
-              <a:rPr lang="sv-SE" dirty="0" err="1"/>
-              <a:t>ignore</a:t>
-            </a:r>
-            <a:r>
-              <a:rPr lang="sv-SE" dirty="0"/>
-              <a:t>, </a:t>
-            </a:r>
-            <a:r>
-              <a:rPr lang="sv-SE" dirty="0" err="1"/>
-              <a:t>e.g</a:t>
-            </a:r>
-            <a:r>
-              <a:rPr lang="sv-SE" dirty="0"/>
-              <a:t>. </a:t>
-            </a:r>
-            <a:r>
-              <a:rPr lang="sv-SE" dirty="0" err="1"/>
-              <a:t>binaries</a:t>
-            </a:r>
-            <a:r>
-              <a:rPr lang="sv-SE" dirty="0"/>
-              <a:t> and </a:t>
-            </a:r>
-            <a:r>
-              <a:rPr lang="sv-SE" dirty="0" err="1"/>
-              <a:t>executables</a:t>
-            </a:r>
-            <a:endParaRPr lang="sv-SE" dirty="0"/>
-          </a:p>
-          <a:p>
-            <a:r>
-              <a:rPr lang="sv-SE" dirty="0">
-                <a:hlinkClick r:id="rId2"/>
-              </a:rPr>
-              <a:t>https://gitignore.io/</a:t>
-            </a:r>
-            <a:r>
-              <a:rPr lang="sv-SE" dirty="0"/>
-              <a:t> is a </a:t>
-            </a:r>
-            <a:r>
-              <a:rPr lang="sv-SE" dirty="0" err="1"/>
-              <a:t>good</a:t>
-            </a:r>
-            <a:r>
-              <a:rPr lang="sv-SE" dirty="0"/>
-              <a:t> source for a template to start </a:t>
-            </a:r>
-            <a:r>
-              <a:rPr lang="sv-SE" dirty="0" err="1"/>
-              <a:t>with</a:t>
-            </a:r>
-            <a:endParaRPr lang="sv-SE" dirty="0"/>
           </a:p>
         </p:txBody>
       </p:sp>
     </p:spTree>
     <p:extLst>
       <p:ext uri="{BB962C8B-B14F-4D97-AF65-F5344CB8AC3E}">
-        <p14:creationId xmlns:p14="http://schemas.microsoft.com/office/powerpoint/2010/main" val="1456996623"/>
+        <p14:creationId xmlns:p14="http://schemas.microsoft.com/office/powerpoint/2010/main" val="1114909423"/>
       </p:ext>
     </p:extLst>
   </p:cSld>
@@ -4020,7 +3870,7 @@
           <p:cNvPr id="2" name="Title 1">
             <a:extLst>
               <a:ext uri="{FF2B5EF4-FFF2-40B4-BE49-F238E27FC236}">
-                <a16:creationId xmlns:a16="http://schemas.microsoft.com/office/drawing/2014/main" id="{41F11C87-0B79-2D42-BC9A-D0284A9FE5AB}"/>
+                <a16:creationId xmlns:a16="http://schemas.microsoft.com/office/drawing/2014/main" id="{A0AB4405-A342-8A46-B0CD-4DBDCACC89B0}"/>
               </a:ext>
             </a:extLst>
           </p:cNvPr>
@@ -4037,21 +3887,14 @@
           <a:lstStyle/>
           <a:p>
             <a:r>
-              <a:rPr lang="sv-SE" dirty="0" err="1"/>
-              <a:t>git</a:t>
-            </a:r>
-            <a:r>
-              <a:rPr lang="sv-SE" dirty="0"/>
-              <a:t>-</a:t>
-            </a:r>
-            <a:r>
-              <a:rPr lang="sv-SE" dirty="0" err="1"/>
-              <a:t>credential</a:t>
-            </a:r>
-            <a:r>
-              <a:rPr lang="sv-SE" dirty="0"/>
-              <a:t>-manager</a:t>
-            </a:r>
+              <a:rPr lang="sv-SE" dirty="0"/>
+              <a:t>.</a:t>
+            </a:r>
+            <a:r>
+              <a:rPr lang="sv-SE" dirty="0" err="1"/>
+              <a:t>gitignore</a:t>
+            </a:r>
+            <a:endParaRPr lang="sv-SE" dirty="0"/>
           </a:p>
         </p:txBody>
       </p:sp>
@@ -4060,7 +3903,7 @@
           <p:cNvPr id="3" name="Content Placeholder 2">
             <a:extLst>
               <a:ext uri="{FF2B5EF4-FFF2-40B4-BE49-F238E27FC236}">
-                <a16:creationId xmlns:a16="http://schemas.microsoft.com/office/drawing/2014/main" id="{CF583C78-4BA2-DA4C-B3AE-0CBF5CF3BA81}"/>
+                <a16:creationId xmlns:a16="http://schemas.microsoft.com/office/drawing/2014/main" id="{BEC8559D-FEE1-CB4B-B7ED-7B57DBF0E95A}"/>
               </a:ext>
             </a:extLst>
           </p:cNvPr>
@@ -4077,8 +3920,44 @@
           <a:lstStyle/>
           <a:p>
             <a:r>
-              <a:rPr lang="sv-SE" dirty="0" err="1"/>
-              <a:t>Provides</a:t>
+              <a:rPr lang="sv-SE" dirty="0"/>
+              <a:t>.</a:t>
+            </a:r>
+            <a:r>
+              <a:rPr lang="sv-SE" dirty="0" err="1"/>
+              <a:t>gitignore</a:t>
+            </a:r>
+            <a:r>
+              <a:rPr lang="sv-SE" dirty="0"/>
+              <a:t> is a </a:t>
+            </a:r>
+            <a:r>
+              <a:rPr lang="sv-SE" dirty="0" err="1"/>
+              <a:t>file</a:t>
+            </a:r>
+            <a:r>
+              <a:rPr lang="sv-SE" dirty="0"/>
+              <a:t> in the </a:t>
+            </a:r>
+            <a:r>
+              <a:rPr lang="sv-SE" dirty="0" err="1"/>
+              <a:t>root</a:t>
+            </a:r>
+            <a:r>
+              <a:rPr lang="sv-SE" dirty="0"/>
+              <a:t>-folder </a:t>
+            </a:r>
+            <a:r>
+              <a:rPr lang="sv-SE" dirty="0" err="1"/>
+              <a:t>of</a:t>
+            </a:r>
+            <a:r>
+              <a:rPr lang="sv-SE" dirty="0"/>
+              <a:t> the </a:t>
+            </a:r>
+            <a:r>
+              <a:rPr lang="sv-SE" dirty="0" err="1"/>
+              <a:t>repository</a:t>
             </a:r>
             <a:r>
               <a:rPr lang="sv-SE" dirty="0"/>
@@ -4086,7 +3965,7 @@
             </a:r>
             <a:r>
               <a:rPr lang="sv-SE" dirty="0" err="1"/>
-              <a:t>secure</a:t>
+              <a:t>that</a:t>
             </a:r>
             <a:r>
               <a:rPr lang="sv-SE" dirty="0"/>
@@ -4094,7 +3973,7 @@
             </a:r>
             <a:r>
               <a:rPr lang="sv-SE" dirty="0" err="1"/>
-              <a:t>storage</a:t>
+              <a:t>tells</a:t>
             </a:r>
             <a:r>
               <a:rPr lang="sv-SE" dirty="0"/>
@@ -4102,7 +3981,7 @@
             </a:r>
             <a:r>
               <a:rPr lang="sv-SE" dirty="0" err="1"/>
-              <a:t>of</a:t>
+              <a:t>git</a:t>
             </a:r>
             <a:r>
               <a:rPr lang="sv-SE" dirty="0"/>
@@ -4110,7 +3989,7 @@
             </a:r>
             <a:r>
               <a:rPr lang="sv-SE" dirty="0" err="1"/>
-              <a:t>git</a:t>
+              <a:t>what</a:t>
             </a:r>
             <a:r>
               <a:rPr lang="sv-SE" dirty="0"/>
@@ -4118,7 +3997,7 @@
             </a:r>
             <a:r>
               <a:rPr lang="sv-SE" dirty="0" err="1"/>
-              <a:t>credentials</a:t>
+              <a:t>files</a:t>
             </a:r>
             <a:r>
               <a:rPr lang="sv-SE" dirty="0"/>
@@ -4126,175 +4005,65 @@
             </a:r>
             <a:r>
               <a:rPr lang="sv-SE" dirty="0" err="1"/>
-              <a:t>keep</a:t>
-            </a:r>
-            <a:r>
-              <a:rPr lang="sv-SE" dirty="0"/>
-              <a:t> </a:t>
-            </a:r>
-            <a:r>
-              <a:rPr lang="sv-SE" dirty="0" err="1"/>
-              <a:t>git</a:t>
-            </a:r>
-            <a:r>
-              <a:rPr lang="sv-SE" dirty="0"/>
-              <a:t> from </a:t>
-            </a:r>
-            <a:r>
-              <a:rPr lang="sv-SE" dirty="0" err="1"/>
-              <a:t>asking</a:t>
-            </a:r>
-            <a:r>
-              <a:rPr lang="sv-SE" dirty="0"/>
-              <a:t> for </a:t>
-            </a:r>
-            <a:r>
-              <a:rPr lang="sv-SE" dirty="0" err="1"/>
-              <a:t>your</a:t>
-            </a:r>
-            <a:r>
-              <a:rPr lang="sv-SE" dirty="0"/>
-              <a:t> </a:t>
-            </a:r>
-            <a:r>
-              <a:rPr lang="sv-SE" dirty="0" err="1"/>
-              <a:t>password</a:t>
-            </a:r>
-            <a:r>
-              <a:rPr lang="sv-SE" dirty="0"/>
-              <a:t> all the </a:t>
-            </a:r>
-            <a:r>
-              <a:rPr lang="sv-SE" dirty="0" err="1"/>
-              <a:t>time</a:t>
+              <a:t>ignore</a:t>
+            </a:r>
+            <a:r>
+              <a:rPr lang="sv-SE" dirty="0"/>
+              <a:t>, </a:t>
+            </a:r>
+            <a:r>
+              <a:rPr lang="sv-SE" dirty="0" err="1"/>
+              <a:t>e.g</a:t>
+            </a:r>
+            <a:r>
+              <a:rPr lang="sv-SE" dirty="0"/>
+              <a:t>. </a:t>
+            </a:r>
+            <a:r>
+              <a:rPr lang="sv-SE" dirty="0" err="1"/>
+              <a:t>binaries</a:t>
+            </a:r>
+            <a:r>
+              <a:rPr lang="sv-SE" dirty="0"/>
+              <a:t> and </a:t>
+            </a:r>
+            <a:r>
+              <a:rPr lang="sv-SE" dirty="0" err="1"/>
+              <a:t>executables</a:t>
             </a:r>
             <a:endParaRPr lang="sv-SE" dirty="0"/>
           </a:p>
           <a:p>
-            <a:r>
-              <a:rPr lang="sv-SE" dirty="0"/>
-              <a:t>If </a:t>
-            </a:r>
-            <a:r>
-              <a:rPr lang="sv-SE" dirty="0" err="1"/>
-              <a:t>it’s</a:t>
-            </a:r>
-            <a:r>
-              <a:rPr lang="sv-SE" dirty="0"/>
-              <a:t> not </a:t>
-            </a:r>
-            <a:r>
-              <a:rPr lang="sv-SE" dirty="0" err="1"/>
-              <a:t>installed</a:t>
-            </a:r>
-            <a:r>
-              <a:rPr lang="sv-SE" dirty="0"/>
-              <a:t> by default, </a:t>
-            </a:r>
-            <a:r>
-              <a:rPr lang="sv-SE" dirty="0" err="1"/>
-              <a:t>install</a:t>
-            </a:r>
-            <a:r>
-              <a:rPr lang="sv-SE" dirty="0"/>
-              <a:t> it from </a:t>
-            </a:r>
             <a:r>
               <a:rPr lang="sv-SE" dirty="0">
                 <a:hlinkClick r:id="rId2"/>
               </a:rPr>
-              <a:t>https://github.com/Microsoft/Git-Credential-Manager-for-Windows</a:t>
+              <a:t>https://gitignore.io/</a:t>
+            </a:r>
+            <a:r>
+              <a:rPr lang="sv-SE" dirty="0"/>
+              <a:t> is a </a:t>
+            </a:r>
+            <a:r>
+              <a:rPr lang="sv-SE" dirty="0" err="1"/>
+              <a:t>good</a:t>
+            </a:r>
+            <a:r>
+              <a:rPr lang="sv-SE" dirty="0"/>
+              <a:t> source for a template to start </a:t>
+            </a:r>
+            <a:r>
+              <a:rPr lang="sv-SE" dirty="0" err="1"/>
+              <a:t>with</a:t>
             </a:r>
             <a:endParaRPr lang="sv-SE" dirty="0"/>
-          </a:p>
-          <a:p>
-            <a:r>
-              <a:rPr lang="sv-SE" dirty="0" err="1"/>
-              <a:t>Activate</a:t>
-            </a:r>
-            <a:r>
-              <a:rPr lang="sv-SE" dirty="0"/>
-              <a:t> </a:t>
-            </a:r>
-            <a:r>
-              <a:rPr lang="sv-SE" dirty="0" err="1"/>
-              <a:t>caching</a:t>
-            </a:r>
-            <a:r>
-              <a:rPr lang="sv-SE" dirty="0"/>
-              <a:t> </a:t>
-            </a:r>
-            <a:r>
-              <a:rPr lang="sv-SE" dirty="0" err="1"/>
-              <a:t>with</a:t>
-            </a:r>
-            <a:r>
-              <a:rPr lang="sv-SE" dirty="0"/>
-              <a:t> the </a:t>
-            </a:r>
-            <a:r>
-              <a:rPr lang="sv-SE" dirty="0" err="1"/>
-              <a:t>command</a:t>
-            </a:r>
-            <a:endParaRPr lang="sv-SE" dirty="0"/>
-          </a:p>
-          <a:p>
-            <a:pPr marL="457200" lvl="1" indent="0">
-              <a:buNone/>
-            </a:pPr>
-            <a:r>
-              <a:rPr lang="sv-SE" dirty="0" err="1"/>
-              <a:t>git</a:t>
-            </a:r>
-            <a:r>
-              <a:rPr lang="sv-SE" dirty="0"/>
-              <a:t> </a:t>
-            </a:r>
-            <a:r>
-              <a:rPr lang="sv-SE" dirty="0" err="1"/>
-              <a:t>config</a:t>
-            </a:r>
-            <a:r>
-              <a:rPr lang="sv-SE" dirty="0"/>
-              <a:t> –global </a:t>
-            </a:r>
-            <a:r>
-              <a:rPr lang="sv-SE" dirty="0" err="1"/>
-              <a:t>credential.helper</a:t>
-            </a:r>
-            <a:r>
-              <a:rPr lang="sv-SE" dirty="0"/>
-              <a:t> cache</a:t>
-            </a:r>
-          </a:p>
-          <a:p>
-            <a:r>
-              <a:rPr lang="sv-SE" dirty="0"/>
-              <a:t>Stores the </a:t>
-            </a:r>
-            <a:r>
-              <a:rPr lang="sv-SE" dirty="0" err="1"/>
-              <a:t>credentials</a:t>
-            </a:r>
-            <a:r>
-              <a:rPr lang="sv-SE" dirty="0"/>
-              <a:t> in the Windows </a:t>
-            </a:r>
-            <a:r>
-              <a:rPr lang="sv-SE" dirty="0" err="1"/>
-              <a:t>Credential</a:t>
-            </a:r>
-            <a:r>
-              <a:rPr lang="sv-SE" dirty="0"/>
-              <a:t> Store</a:t>
-            </a:r>
           </a:p>
         </p:txBody>
       </p:sp>
     </p:spTree>
     <p:extLst>
       <p:ext uri="{BB962C8B-B14F-4D97-AF65-F5344CB8AC3E}">
-        <p14:creationId xmlns:p14="http://schemas.microsoft.com/office/powerpoint/2010/main" val="2217108821"/>
+        <p14:creationId xmlns:p14="http://schemas.microsoft.com/office/powerpoint/2010/main" val="1456996623"/>
       </p:ext>
     </p:extLst>
   </p:cSld>
@@ -4326,7 +4095,7 @@
           <p:cNvPr id="2" name="Title 1">
             <a:extLst>
               <a:ext uri="{FF2B5EF4-FFF2-40B4-BE49-F238E27FC236}">
-                <a16:creationId xmlns:a16="http://schemas.microsoft.com/office/drawing/2014/main" id="{C380E962-FAC7-474E-9F0D-A36319348DF3}"/>
+                <a16:creationId xmlns:a16="http://schemas.microsoft.com/office/drawing/2014/main" id="{41F11C87-0B79-2D42-BC9A-D0284A9FE5AB}"/>
               </a:ext>
             </a:extLst>
           </p:cNvPr>
@@ -4343,14 +4112,21 @@
           <a:lstStyle/>
           <a:p>
             <a:r>
-              <a:rPr lang="sv-SE" dirty="0"/>
-              <a:t>Hands-on </a:t>
-            </a:r>
-            <a:r>
-              <a:rPr lang="sv-SE" dirty="0" err="1"/>
-              <a:t>lab</a:t>
-            </a:r>
-            <a:endParaRPr lang="sv-SE" dirty="0"/>
+              <a:rPr lang="sv-SE" dirty="0" err="1"/>
+              <a:t>git</a:t>
+            </a:r>
+            <a:r>
+              <a:rPr lang="sv-SE" dirty="0"/>
+              <a:t>-</a:t>
+            </a:r>
+            <a:r>
+              <a:rPr lang="sv-SE" dirty="0" err="1"/>
+              <a:t>credential</a:t>
+            </a:r>
+            <a:r>
+              <a:rPr lang="sv-SE" dirty="0"/>
+              <a:t>-manager</a:t>
+            </a:r>
           </a:p>
         </p:txBody>
       </p:sp>
@@ -4359,7 +4135,7 @@
           <p:cNvPr id="3" name="Content Placeholder 2">
             <a:extLst>
               <a:ext uri="{FF2B5EF4-FFF2-40B4-BE49-F238E27FC236}">
-                <a16:creationId xmlns:a16="http://schemas.microsoft.com/office/drawing/2014/main" id="{31A2B965-2AD5-BF4E-BBF1-D9BA81D25CD6}"/>
+                <a16:creationId xmlns:a16="http://schemas.microsoft.com/office/drawing/2014/main" id="{CF583C78-4BA2-DA4C-B3AE-0CBF5CF3BA81}"/>
               </a:ext>
             </a:extLst>
           </p:cNvPr>
@@ -4377,56 +4153,223 @@
           <a:p>
             <a:r>
               <a:rPr lang="sv-SE" dirty="0" err="1"/>
-              <a:t>Instructions</a:t>
-            </a:r>
-            <a:r>
-              <a:rPr lang="sv-SE" dirty="0"/>
-              <a:t>: </a:t>
-            </a:r>
-            <a:r>
-              <a:rPr lang="sv-SE" sz="2400" dirty="0" err="1"/>
-              <a:t>https</a:t>
-            </a:r>
-            <a:r>
-              <a:rPr lang="sv-SE" sz="2400" dirty="0"/>
-              <a:t>://</a:t>
-            </a:r>
-            <a:r>
-              <a:rPr lang="sv-SE" sz="2400" dirty="0" err="1"/>
-              <a:t>github.com</a:t>
-            </a:r>
-            <a:r>
-              <a:rPr lang="sv-SE" sz="2400" dirty="0"/>
-              <a:t>/</a:t>
-            </a:r>
-            <a:r>
-              <a:rPr lang="sv-SE" sz="2400" dirty="0" err="1"/>
-              <a:t>activesolution</a:t>
-            </a:r>
-            <a:r>
-              <a:rPr lang="sv-SE" sz="2400" dirty="0"/>
-              <a:t>/</a:t>
-            </a:r>
-            <a:r>
-              <a:rPr lang="sv-SE" sz="2400" dirty="0" err="1"/>
-              <a:t>introduction</a:t>
-            </a:r>
-            <a:r>
-              <a:rPr lang="sv-SE" sz="2400" dirty="0"/>
-              <a:t>-to-</a:t>
-            </a:r>
-            <a:r>
-              <a:rPr lang="sv-SE" sz="2400" dirty="0" err="1"/>
+              <a:t>Provides</a:t>
+            </a:r>
+            <a:r>
+              <a:rPr lang="sv-SE" dirty="0"/>
+              <a:t> </a:t>
+            </a:r>
+            <a:r>
+              <a:rPr lang="sv-SE" dirty="0" err="1"/>
+              <a:t>secure</a:t>
+            </a:r>
+            <a:r>
+              <a:rPr lang="sv-SE" dirty="0"/>
+              <a:t> </a:t>
+            </a:r>
+            <a:r>
+              <a:rPr lang="sv-SE" dirty="0" err="1"/>
+              <a:t>storage</a:t>
+            </a:r>
+            <a:r>
+              <a:rPr lang="sv-SE" dirty="0"/>
+              <a:t> </a:t>
+            </a:r>
+            <a:r>
+              <a:rPr lang="sv-SE" dirty="0" err="1"/>
+              <a:t>of</a:t>
+            </a:r>
+            <a:r>
+              <a:rPr lang="sv-SE" dirty="0"/>
+              <a:t> </a:t>
+            </a:r>
+            <a:r>
+              <a:rPr lang="sv-SE" dirty="0" err="1"/>
               <a:t>git</a:t>
             </a:r>
+            <a:r>
+              <a:rPr lang="sv-SE" dirty="0"/>
+              <a:t> </a:t>
+            </a:r>
+            <a:r>
+              <a:rPr lang="sv-SE" dirty="0" err="1"/>
+              <a:t>credentials</a:t>
+            </a:r>
+            <a:r>
+              <a:rPr lang="sv-SE" dirty="0"/>
+              <a:t> to </a:t>
+            </a:r>
+            <a:r>
+              <a:rPr lang="sv-SE" dirty="0" err="1"/>
+              <a:t>keep</a:t>
+            </a:r>
+            <a:r>
+              <a:rPr lang="sv-SE" dirty="0"/>
+              <a:t> </a:t>
+            </a:r>
+            <a:r>
+              <a:rPr lang="sv-SE" dirty="0" err="1"/>
+              <a:t>git</a:t>
+            </a:r>
+            <a:r>
+              <a:rPr lang="sv-SE" dirty="0"/>
+              <a:t> from </a:t>
+            </a:r>
+            <a:r>
+              <a:rPr lang="sv-SE" dirty="0" err="1"/>
+              <a:t>asking</a:t>
+            </a:r>
+            <a:r>
+              <a:rPr lang="sv-SE" dirty="0"/>
+              <a:t> for </a:t>
+            </a:r>
+            <a:r>
+              <a:rPr lang="sv-SE" dirty="0" err="1"/>
+              <a:t>your</a:t>
+            </a:r>
+            <a:r>
+              <a:rPr lang="sv-SE" dirty="0"/>
+              <a:t> </a:t>
+            </a:r>
+            <a:r>
+              <a:rPr lang="sv-SE" dirty="0" err="1"/>
+              <a:t>password</a:t>
+            </a:r>
+            <a:r>
+              <a:rPr lang="sv-SE" dirty="0"/>
+              <a:t> all the </a:t>
+            </a:r>
+            <a:r>
+              <a:rPr lang="sv-SE" dirty="0" err="1"/>
+              <a:t>time</a:t>
+            </a:r>
             <a:endParaRPr lang="sv-SE" dirty="0"/>
+          </a:p>
+          <a:p>
+            <a:r>
+              <a:rPr lang="sv-SE" dirty="0"/>
+              <a:t>If </a:t>
+            </a:r>
+            <a:r>
+              <a:rPr lang="sv-SE" dirty="0" err="1"/>
+              <a:t>it’s</a:t>
+            </a:r>
+            <a:r>
+              <a:rPr lang="sv-SE" dirty="0"/>
+              <a:t> not </a:t>
+            </a:r>
+            <a:r>
+              <a:rPr lang="sv-SE" dirty="0" err="1"/>
+              <a:t>installed</a:t>
+            </a:r>
+            <a:r>
+              <a:rPr lang="sv-SE" dirty="0"/>
+              <a:t> by default, </a:t>
+            </a:r>
+            <a:r>
+              <a:rPr lang="sv-SE" dirty="0" err="1"/>
+              <a:t>install</a:t>
+            </a:r>
+            <a:r>
+              <a:rPr lang="sv-SE" dirty="0"/>
+              <a:t> it from </a:t>
+            </a:r>
+            <a:r>
+              <a:rPr lang="sv-SE" dirty="0">
+                <a:hlinkClick r:id="rId2"/>
+              </a:rPr>
+              <a:t>https://github.com/Microsoft/Git-Credential-Manager-for-Windows</a:t>
+            </a:r>
+            <a:endParaRPr lang="sv-SE" dirty="0"/>
+          </a:p>
+          <a:p>
+            <a:r>
+              <a:rPr lang="sv-SE" dirty="0" err="1"/>
+              <a:t>Activate</a:t>
+            </a:r>
+            <a:r>
+              <a:rPr lang="sv-SE" dirty="0"/>
+              <a:t> </a:t>
+            </a:r>
+            <a:r>
+              <a:rPr lang="sv-SE" dirty="0" err="1"/>
+              <a:t>caching</a:t>
+            </a:r>
+            <a:r>
+              <a:rPr lang="sv-SE" dirty="0"/>
+              <a:t> </a:t>
+            </a:r>
+            <a:r>
+              <a:rPr lang="sv-SE" dirty="0" err="1"/>
+              <a:t>with</a:t>
+            </a:r>
+            <a:r>
+              <a:rPr lang="sv-SE" dirty="0"/>
+              <a:t> the </a:t>
+            </a:r>
+            <a:r>
+              <a:rPr lang="sv-SE" dirty="0" err="1"/>
+              <a:t>command</a:t>
+            </a:r>
+            <a:endParaRPr lang="sv-SE" dirty="0"/>
+          </a:p>
+          <a:p>
+            <a:pPr marL="457200" lvl="1" indent="0">
+              <a:buNone/>
+            </a:pPr>
+            <a:r>
+              <a:rPr lang="sv-SE" dirty="0" err="1"/>
+              <a:t>git</a:t>
+            </a:r>
+            <a:r>
+              <a:rPr lang="sv-SE" dirty="0"/>
+              <a:t> </a:t>
+            </a:r>
+            <a:r>
+              <a:rPr lang="sv-SE" dirty="0" err="1"/>
+              <a:t>config</a:t>
+            </a:r>
+            <a:r>
+              <a:rPr lang="sv-SE" dirty="0"/>
+              <a:t> –global </a:t>
+            </a:r>
+            <a:r>
+              <a:rPr lang="sv-SE" dirty="0" err="1"/>
+              <a:t>credential.helper</a:t>
+            </a:r>
+            <a:r>
+              <a:rPr lang="sv-SE" dirty="0"/>
+              <a:t> cache</a:t>
+            </a:r>
+          </a:p>
+          <a:p>
+            <a:r>
+              <a:rPr lang="sv-SE" dirty="0"/>
+              <a:t>Stores the </a:t>
+            </a:r>
+            <a:r>
+              <a:rPr lang="sv-SE" dirty="0" err="1"/>
+              <a:t>credentials</a:t>
+            </a:r>
+            <a:r>
+              <a:rPr lang="sv-SE" dirty="0"/>
+              <a:t> in the Windows </a:t>
+            </a:r>
+            <a:r>
+              <a:rPr lang="sv-SE" dirty="0" err="1"/>
+              <a:t>Credential</a:t>
+            </a:r>
+            <a:r>
+              <a:rPr lang="sv-SE" dirty="0"/>
+              <a:t> Store</a:t>
+            </a:r>
           </a:p>
         </p:txBody>
       </p:sp>
     </p:spTree>
     <p:extLst>
       <p:ext uri="{BB962C8B-B14F-4D97-AF65-F5344CB8AC3E}">
-        <p14:creationId xmlns:p14="http://schemas.microsoft.com/office/powerpoint/2010/main" val="4157086471"/>
+        <p14:creationId xmlns:p14="http://schemas.microsoft.com/office/powerpoint/2010/main" val="2217108821"/>
       </p:ext>
     </p:extLst>
   </p:cSld>
@@ -4458,7 +4401,7 @@
           <p:cNvPr id="2" name="Title 1">
             <a:extLst>
               <a:ext uri="{FF2B5EF4-FFF2-40B4-BE49-F238E27FC236}">
-                <a16:creationId xmlns:a16="http://schemas.microsoft.com/office/drawing/2014/main" id="{A784474F-5C70-8746-BCBD-34A0F0AC3465}"/>
+                <a16:creationId xmlns:a16="http://schemas.microsoft.com/office/drawing/2014/main" id="{C380E962-FAC7-474E-9F0D-A36319348DF3}"/>
               </a:ext>
             </a:extLst>
           </p:cNvPr>
@@ -4476,35 +4419,11 @@
           <a:p>
             <a:r>
               <a:rPr lang="sv-SE" dirty="0"/>
-              <a:t>Tips to </a:t>
-            </a:r>
-            <a:r>
-              <a:rPr lang="sv-SE" dirty="0" err="1"/>
-              <a:t>avoid</a:t>
-            </a:r>
-            <a:r>
-              <a:rPr lang="sv-SE" dirty="0"/>
-              <a:t> </a:t>
-            </a:r>
-            <a:r>
-              <a:rPr lang="sv-SE" dirty="0" err="1"/>
-              <a:t>tough</a:t>
-            </a:r>
-            <a:r>
-              <a:rPr lang="sv-SE" dirty="0"/>
-              <a:t> </a:t>
-            </a:r>
-            <a:r>
-              <a:rPr lang="sv-SE" dirty="0" err="1"/>
-              <a:t>merge</a:t>
-            </a:r>
-            <a:r>
-              <a:rPr lang="sv-SE" dirty="0"/>
-              <a:t> </a:t>
-            </a:r>
-            <a:r>
-              <a:rPr lang="sv-SE" dirty="0" err="1"/>
-              <a:t>conflicts</a:t>
+              <a:t>Hands-on </a:t>
+            </a:r>
+            <a:r>
+              <a:rPr lang="sv-SE" dirty="0" err="1"/>
+              <a:t>lab</a:t>
             </a:r>
             <a:endParaRPr lang="sv-SE" dirty="0"/>
           </a:p>
@@ -4515,7 +4434,7 @@
           <p:cNvPr id="3" name="Content Placeholder 2">
             <a:extLst>
               <a:ext uri="{FF2B5EF4-FFF2-40B4-BE49-F238E27FC236}">
-                <a16:creationId xmlns:a16="http://schemas.microsoft.com/office/drawing/2014/main" id="{300F0D9D-E0F2-4742-927A-D0761EC82E13}"/>
+                <a16:creationId xmlns:a16="http://schemas.microsoft.com/office/drawing/2014/main" id="{31A2B965-2AD5-BF4E-BBF1-D9BA81D25CD6}"/>
               </a:ext>
             </a:extLst>
           </p:cNvPr>
@@ -4526,240 +4445,54 @@
             <p:ph idx="1"/>
           </p:nvPr>
         </p:nvSpPr>
-        <p:spPr>
-          <a:xfrm>
-            <a:off x="457200" y="1600201"/>
-            <a:ext cx="8229600" cy="4349080"/>
-          </a:xfrm>
-        </p:spPr>
+        <p:spPr/>
         <p:txBody>
           <a:bodyPr/>
           <a:lstStyle/>
           <a:p>
             <a:r>
               <a:rPr lang="sv-SE" dirty="0" err="1"/>
-              <a:t>Keep</a:t>
-            </a:r>
-            <a:r>
-              <a:rPr lang="sv-SE" dirty="0"/>
-              <a:t> </a:t>
-            </a:r>
-            <a:r>
-              <a:rPr lang="sv-SE" dirty="0" err="1"/>
-              <a:t>your</a:t>
-            </a:r>
-            <a:r>
-              <a:rPr lang="sv-SE" dirty="0"/>
-              <a:t> </a:t>
-            </a:r>
-            <a:r>
-              <a:rPr lang="sv-SE" dirty="0" err="1"/>
-              <a:t>commits</a:t>
-            </a:r>
-            <a:r>
-              <a:rPr lang="sv-SE" dirty="0"/>
-              <a:t> small and </a:t>
-            </a:r>
-            <a:r>
-              <a:rPr lang="sv-SE" dirty="0" err="1"/>
-              <a:t>commit</a:t>
-            </a:r>
-            <a:r>
-              <a:rPr lang="sv-SE" dirty="0"/>
-              <a:t> </a:t>
-            </a:r>
-            <a:r>
-              <a:rPr lang="sv-SE" dirty="0" err="1"/>
-              <a:t>often</a:t>
-            </a:r>
-            <a:endParaRPr lang="sv-SE" dirty="0"/>
-          </a:p>
-          <a:p>
-            <a:r>
-              <a:rPr lang="sv-SE" dirty="0"/>
-              <a:t>No, </a:t>
-            </a:r>
-            <a:r>
-              <a:rPr lang="sv-SE" dirty="0" err="1"/>
-              <a:t>more</a:t>
-            </a:r>
-            <a:r>
-              <a:rPr lang="sv-SE" dirty="0"/>
-              <a:t> </a:t>
-            </a:r>
-            <a:r>
-              <a:rPr lang="sv-SE" dirty="0" err="1"/>
-              <a:t>often</a:t>
-            </a:r>
-            <a:r>
-              <a:rPr lang="sv-SE" dirty="0"/>
-              <a:t> </a:t>
-            </a:r>
-            <a:r>
-              <a:rPr lang="sv-SE" dirty="0" err="1"/>
-              <a:t>than</a:t>
-            </a:r>
-            <a:r>
-              <a:rPr lang="sv-SE" dirty="0"/>
-              <a:t> </a:t>
-            </a:r>
-            <a:r>
-              <a:rPr lang="sv-SE" dirty="0" err="1"/>
-              <a:t>that</a:t>
-            </a:r>
-            <a:endParaRPr lang="sv-SE" dirty="0"/>
-          </a:p>
-          <a:p>
-            <a:r>
-              <a:rPr lang="sv-SE" dirty="0" err="1"/>
-              <a:t>Don’t</a:t>
-            </a:r>
-            <a:r>
-              <a:rPr lang="sv-SE" dirty="0"/>
-              <a:t> be </a:t>
-            </a:r>
-            <a:r>
-              <a:rPr lang="sv-SE" dirty="0" err="1"/>
-              <a:t>afraid</a:t>
-            </a:r>
-            <a:r>
-              <a:rPr lang="sv-SE" dirty="0"/>
-              <a:t> to </a:t>
-            </a:r>
-            <a:r>
-              <a:rPr lang="sv-SE" dirty="0" err="1"/>
-              <a:t>create</a:t>
-            </a:r>
-            <a:r>
-              <a:rPr lang="sv-SE" dirty="0"/>
-              <a:t> </a:t>
-            </a:r>
-            <a:r>
-              <a:rPr lang="sv-SE" dirty="0" err="1"/>
-              <a:t>many</a:t>
-            </a:r>
-            <a:r>
-              <a:rPr lang="sv-SE" dirty="0"/>
-              <a:t> </a:t>
-            </a:r>
-            <a:r>
-              <a:rPr lang="sv-SE" dirty="0" err="1"/>
-              <a:t>branches</a:t>
-            </a:r>
-            <a:endParaRPr lang="sv-SE" dirty="0"/>
-          </a:p>
-          <a:p>
-            <a:pPr lvl="1"/>
-            <a:r>
-              <a:rPr lang="sv-SE" dirty="0" err="1"/>
-              <a:t>if</a:t>
-            </a:r>
-            <a:r>
-              <a:rPr lang="sv-SE" dirty="0"/>
-              <a:t> </a:t>
-            </a:r>
-            <a:r>
-              <a:rPr lang="sv-SE" dirty="0" err="1"/>
-              <a:t>you</a:t>
-            </a:r>
-            <a:r>
-              <a:rPr lang="sv-SE" dirty="0"/>
-              <a:t> </a:t>
-            </a:r>
-            <a:r>
-              <a:rPr lang="sv-SE" dirty="0" err="1"/>
-              <a:t>want</a:t>
-            </a:r>
-            <a:r>
-              <a:rPr lang="sv-SE" dirty="0"/>
-              <a:t> to experiment, </a:t>
-            </a:r>
-            <a:r>
-              <a:rPr lang="sv-SE" dirty="0" err="1"/>
-              <a:t>create</a:t>
-            </a:r>
-            <a:r>
-              <a:rPr lang="sv-SE" dirty="0"/>
-              <a:t> a </a:t>
-            </a:r>
-            <a:r>
-              <a:rPr lang="sv-SE" dirty="0" err="1"/>
-              <a:t>branch</a:t>
-            </a:r>
-            <a:endParaRPr lang="sv-SE" dirty="0"/>
-          </a:p>
-          <a:p>
-            <a:r>
-              <a:rPr lang="sv-SE" dirty="0"/>
-              <a:t>Try to </a:t>
-            </a:r>
-            <a:r>
-              <a:rPr lang="sv-SE" dirty="0" err="1"/>
-              <a:t>avoid</a:t>
-            </a:r>
-            <a:r>
-              <a:rPr lang="sv-SE" dirty="0"/>
-              <a:t> long-</a:t>
-            </a:r>
-            <a:r>
-              <a:rPr lang="sv-SE" dirty="0" err="1"/>
-              <a:t>living</a:t>
-            </a:r>
-            <a:r>
-              <a:rPr lang="sv-SE" dirty="0"/>
-              <a:t> </a:t>
-            </a:r>
-            <a:r>
-              <a:rPr lang="sv-SE" dirty="0" err="1"/>
-              <a:t>branches</a:t>
-            </a:r>
-            <a:endParaRPr lang="sv-SE" dirty="0"/>
-          </a:p>
-          <a:p>
-            <a:pPr lvl="1"/>
-            <a:r>
-              <a:rPr lang="sv-SE" dirty="0" err="1"/>
-              <a:t>Keep</a:t>
-            </a:r>
-            <a:r>
-              <a:rPr lang="sv-SE" dirty="0"/>
-              <a:t> the </a:t>
-            </a:r>
-            <a:r>
-              <a:rPr lang="sv-SE" dirty="0" err="1"/>
-              <a:t>branch</a:t>
-            </a:r>
-            <a:r>
-              <a:rPr lang="sv-SE" dirty="0"/>
-              <a:t> up-to-date </a:t>
-            </a:r>
-            <a:r>
-              <a:rPr lang="sv-SE" dirty="0" err="1"/>
-              <a:t>with</a:t>
-            </a:r>
-            <a:r>
-              <a:rPr lang="sv-SE" dirty="0"/>
-              <a:t> </a:t>
-            </a:r>
-            <a:r>
-              <a:rPr lang="sv-SE" dirty="0" err="1"/>
-              <a:t>its</a:t>
-            </a:r>
-            <a:r>
-              <a:rPr lang="sv-SE" dirty="0"/>
-              <a:t> </a:t>
-            </a:r>
-            <a:r>
-              <a:rPr lang="sv-SE" dirty="0" err="1"/>
-              <a:t>parent</a:t>
-            </a:r>
-            <a:r>
-              <a:rPr lang="sv-SE" dirty="0"/>
-              <a:t> </a:t>
-            </a:r>
-            <a:r>
-              <a:rPr lang="sv-SE" dirty="0" err="1"/>
-              <a:t>branch</a:t>
+              <a:t>Instructions</a:t>
+            </a:r>
+            <a:r>
+              <a:rPr lang="sv-SE" dirty="0"/>
+              <a:t>: </a:t>
+            </a:r>
+            <a:r>
+              <a:rPr lang="sv-SE" sz="2400" dirty="0" err="1"/>
+              <a:t>https</a:t>
+            </a:r>
+            <a:r>
+              <a:rPr lang="sv-SE" sz="2400" dirty="0"/>
+              <a:t>://</a:t>
+            </a:r>
+            <a:r>
+              <a:rPr lang="sv-SE" sz="2400" dirty="0" err="1"/>
+              <a:t>github.com</a:t>
+            </a:r>
+            <a:r>
+              <a:rPr lang="sv-SE" sz="2400" dirty="0"/>
+              <a:t>/</a:t>
+            </a:r>
+            <a:r>
+              <a:rPr lang="sv-SE" sz="2400" dirty="0" err="1"/>
+              <a:t>activesolution</a:t>
+            </a:r>
+            <a:r>
+              <a:rPr lang="sv-SE" sz="2400" dirty="0"/>
+              <a:t>/</a:t>
+            </a:r>
+            <a:r>
+              <a:rPr lang="sv-SE" sz="2400" dirty="0" err="1"/>
+              <a:t>introduction</a:t>
+            </a:r>
+            <a:r>
+              <a:rPr lang="sv-SE" sz="2400" dirty="0"/>
+              <a:t>-to-</a:t>
+            </a:r>
+            <a:r>
+              <a:rPr lang="sv-SE" sz="2400" dirty="0" err="1"/>
+              <a:t>git</a:t>
             </a:r>
             <a:endParaRPr lang="sv-SE" dirty="0"/>
           </a:p>
@@ -4768,7 +4501,7 @@
     </p:spTree>
     <p:extLst>
       <p:ext uri="{BB962C8B-B14F-4D97-AF65-F5344CB8AC3E}">
-        <p14:creationId xmlns:p14="http://schemas.microsoft.com/office/powerpoint/2010/main" val="2241191539"/>
+        <p14:creationId xmlns:p14="http://schemas.microsoft.com/office/powerpoint/2010/main" val="4157086471"/>
       </p:ext>
     </p:extLst>
   </p:cSld>
@@ -4800,7 +4533,7 @@
           <p:cNvPr id="2" name="Title 1">
             <a:extLst>
               <a:ext uri="{FF2B5EF4-FFF2-40B4-BE49-F238E27FC236}">
-                <a16:creationId xmlns:a16="http://schemas.microsoft.com/office/drawing/2014/main" id="{43805440-5A64-7B40-8239-AB3C2472503B}"/>
+                <a16:creationId xmlns:a16="http://schemas.microsoft.com/office/drawing/2014/main" id="{A784474F-5C70-8746-BCBD-34A0F0AC3465}"/>
               </a:ext>
             </a:extLst>
           </p:cNvPr>
@@ -4818,11 +4551,35 @@
           <a:p>
             <a:r>
               <a:rPr lang="sv-SE" dirty="0"/>
-              <a:t>GUI </a:t>
-            </a:r>
-            <a:r>
-              <a:rPr lang="sv-SE" dirty="0" err="1"/>
-              <a:t>clients</a:t>
+              <a:t>Tips to </a:t>
+            </a:r>
+            <a:r>
+              <a:rPr lang="sv-SE" dirty="0" err="1"/>
+              <a:t>avoid</a:t>
+            </a:r>
+            <a:r>
+              <a:rPr lang="sv-SE" dirty="0"/>
+              <a:t> </a:t>
+            </a:r>
+            <a:r>
+              <a:rPr lang="sv-SE" dirty="0" err="1"/>
+              <a:t>tough</a:t>
+            </a:r>
+            <a:r>
+              <a:rPr lang="sv-SE" dirty="0"/>
+              <a:t> </a:t>
+            </a:r>
+            <a:r>
+              <a:rPr lang="sv-SE" dirty="0" err="1"/>
+              <a:t>merge</a:t>
+            </a:r>
+            <a:r>
+              <a:rPr lang="sv-SE" dirty="0"/>
+              <a:t> </a:t>
+            </a:r>
+            <a:r>
+              <a:rPr lang="sv-SE" dirty="0" err="1"/>
+              <a:t>conflicts</a:t>
             </a:r>
             <a:endParaRPr lang="sv-SE" dirty="0"/>
           </a:p>
@@ -4833,7 +4590,7 @@
           <p:cNvPr id="3" name="Content Placeholder 2">
             <a:extLst>
               <a:ext uri="{FF2B5EF4-FFF2-40B4-BE49-F238E27FC236}">
-                <a16:creationId xmlns:a16="http://schemas.microsoft.com/office/drawing/2014/main" id="{D99AC3F7-BDF5-D543-B9D0-0D9FBC29AFD6}"/>
+                <a16:creationId xmlns:a16="http://schemas.microsoft.com/office/drawing/2014/main" id="{300F0D9D-E0F2-4742-927A-D0761EC82E13}"/>
               </a:ext>
             </a:extLst>
           </p:cNvPr>
@@ -4844,86 +4601,249 @@
             <p:ph idx="1"/>
           </p:nvPr>
         </p:nvSpPr>
-        <p:spPr/>
+        <p:spPr>
+          <a:xfrm>
+            <a:off x="457200" y="1600201"/>
+            <a:ext cx="8229600" cy="4349080"/>
+          </a:xfrm>
+        </p:spPr>
         <p:txBody>
           <a:bodyPr/>
           <a:lstStyle/>
           <a:p>
             <a:r>
-              <a:rPr lang="sv-SE" dirty="0">
-                <a:hlinkClick r:id="rId2"/>
-              </a:rPr>
-              <a:t>https://www.sourcetreeapp.com/</a:t>
+              <a:rPr lang="sv-SE" dirty="0" err="1"/>
+              <a:t>Keep</a:t>
+            </a:r>
+            <a:r>
+              <a:rPr lang="sv-SE" dirty="0"/>
+              <a:t> </a:t>
+            </a:r>
+            <a:r>
+              <a:rPr lang="sv-SE" dirty="0" err="1"/>
+              <a:t>your</a:t>
+            </a:r>
+            <a:r>
+              <a:rPr lang="sv-SE" dirty="0"/>
+              <a:t> </a:t>
+            </a:r>
+            <a:r>
+              <a:rPr lang="sv-SE" dirty="0" err="1"/>
+              <a:t>commits</a:t>
+            </a:r>
+            <a:r>
+              <a:rPr lang="sv-SE" dirty="0"/>
+              <a:t> small and </a:t>
+            </a:r>
+            <a:r>
+              <a:rPr lang="sv-SE" dirty="0" err="1"/>
+              <a:t>commit</a:t>
+            </a:r>
+            <a:r>
+              <a:rPr lang="sv-SE" dirty="0"/>
+              <a:t> </a:t>
+            </a:r>
+            <a:r>
+              <a:rPr lang="sv-SE" dirty="0" err="1"/>
+              <a:t>often</a:t>
             </a:r>
             <a:endParaRPr lang="sv-SE" dirty="0"/>
           </a:p>
           <a:p>
             <a:r>
-              <a:rPr lang="sv-SE" dirty="0">
-                <a:hlinkClick r:id="rId3"/>
-              </a:rPr>
-              <a:t>https://desktop.github.com/</a:t>
+              <a:rPr lang="sv-SE" dirty="0"/>
+              <a:t>No, </a:t>
+            </a:r>
+            <a:r>
+              <a:rPr lang="sv-SE" dirty="0" err="1"/>
+              <a:t>more</a:t>
+            </a:r>
+            <a:r>
+              <a:rPr lang="sv-SE" dirty="0"/>
+              <a:t> </a:t>
+            </a:r>
+            <a:r>
+              <a:rPr lang="sv-SE" dirty="0" err="1"/>
+              <a:t>often</a:t>
+            </a:r>
+            <a:r>
+              <a:rPr lang="sv-SE" dirty="0"/>
+              <a:t> </a:t>
+            </a:r>
+            <a:r>
+              <a:rPr lang="sv-SE" dirty="0" err="1"/>
+              <a:t>than</a:t>
+            </a:r>
+            <a:r>
+              <a:rPr lang="sv-SE" dirty="0"/>
+              <a:t> </a:t>
+            </a:r>
+            <a:r>
+              <a:rPr lang="sv-SE" dirty="0" err="1"/>
+              <a:t>that</a:t>
             </a:r>
             <a:endParaRPr lang="sv-SE" dirty="0"/>
           </a:p>
           <a:p>
             <a:r>
-              <a:rPr lang="sv-SE" dirty="0">
-                <a:hlinkClick r:id="rId4"/>
-              </a:rPr>
-              <a:t>https://gitextensions.github.io/</a:t>
+              <a:rPr lang="sv-SE" dirty="0" err="1"/>
+              <a:t>Don’t</a:t>
+            </a:r>
+            <a:r>
+              <a:rPr lang="sv-SE" dirty="0"/>
+              <a:t> be </a:t>
+            </a:r>
+            <a:r>
+              <a:rPr lang="sv-SE" dirty="0" err="1"/>
+              <a:t>afraid</a:t>
+            </a:r>
+            <a:r>
+              <a:rPr lang="sv-SE" dirty="0"/>
+              <a:t> to </a:t>
+            </a:r>
+            <a:r>
+              <a:rPr lang="sv-SE" dirty="0" err="1"/>
+              <a:t>create</a:t>
+            </a:r>
+            <a:r>
+              <a:rPr lang="sv-SE" dirty="0"/>
+              <a:t> </a:t>
+            </a:r>
+            <a:r>
+              <a:rPr lang="sv-SE" dirty="0" err="1"/>
+              <a:t>many</a:t>
+            </a:r>
+            <a:r>
+              <a:rPr lang="sv-SE" dirty="0"/>
+              <a:t> </a:t>
+            </a:r>
+            <a:r>
+              <a:rPr lang="sv-SE" dirty="0" err="1"/>
+              <a:t>branches</a:t>
             </a:r>
             <a:endParaRPr lang="sv-SE" dirty="0"/>
           </a:p>
           <a:p>
-            <a:r>
-              <a:rPr lang="sv-SE" dirty="0">
-                <a:hlinkClick r:id="rId5"/>
-              </a:rPr>
-              <a:t>https://git-fork.com/</a:t>
+            <a:pPr lvl="1"/>
+            <a:r>
+              <a:rPr lang="sv-SE" dirty="0" err="1"/>
+              <a:t>if</a:t>
+            </a:r>
+            <a:r>
+              <a:rPr lang="sv-SE" dirty="0"/>
+              <a:t> </a:t>
+            </a:r>
+            <a:r>
+              <a:rPr lang="sv-SE" dirty="0" err="1"/>
+              <a:t>you</a:t>
+            </a:r>
+            <a:r>
+              <a:rPr lang="sv-SE" dirty="0"/>
+              <a:t> </a:t>
+            </a:r>
+            <a:r>
+              <a:rPr lang="sv-SE" dirty="0" err="1"/>
+              <a:t>want</a:t>
+            </a:r>
+            <a:r>
+              <a:rPr lang="sv-SE" dirty="0"/>
+              <a:t> to experiment, </a:t>
+            </a:r>
+            <a:r>
+              <a:rPr lang="sv-SE" dirty="0" err="1"/>
+              <a:t>create</a:t>
+            </a:r>
+            <a:r>
+              <a:rPr lang="sv-SE" dirty="0"/>
+              <a:t> a </a:t>
+            </a:r>
+            <a:r>
+              <a:rPr lang="sv-SE" dirty="0" err="1"/>
+              <a:t>branch</a:t>
             </a:r>
             <a:endParaRPr lang="sv-SE" dirty="0"/>
           </a:p>
           <a:p>
             <a:r>
-              <a:rPr lang="sv-SE" dirty="0" err="1"/>
-              <a:t>https</a:t>
-            </a:r>
-            <a:r>
-              <a:rPr lang="sv-SE" dirty="0"/>
-              <a:t>://</a:t>
-            </a:r>
-            <a:r>
-              <a:rPr lang="sv-SE" dirty="0" err="1"/>
-              <a:t>git-scm.com</a:t>
-            </a:r>
-            <a:r>
-              <a:rPr lang="sv-SE" dirty="0"/>
-              <a:t>/</a:t>
-            </a:r>
-            <a:r>
-              <a:rPr lang="sv-SE" dirty="0" err="1"/>
-              <a:t>downloads</a:t>
-            </a:r>
-            <a:r>
-              <a:rPr lang="sv-SE" dirty="0"/>
-              <a:t>/</a:t>
-            </a:r>
-            <a:r>
-              <a:rPr lang="sv-SE" dirty="0" err="1"/>
-              <a:t>guis</a:t>
-            </a:r>
-            <a:r>
-              <a:rPr lang="sv-SE" dirty="0"/>
-              <a:t>/</a:t>
-            </a:r>
+              <a:rPr lang="sv-SE" dirty="0"/>
+              <a:t>Try to </a:t>
+            </a:r>
+            <a:r>
+              <a:rPr lang="sv-SE" dirty="0" err="1"/>
+              <a:t>avoid</a:t>
+            </a:r>
+            <a:r>
+              <a:rPr lang="sv-SE" dirty="0"/>
+              <a:t> long-</a:t>
+            </a:r>
+            <a:r>
+              <a:rPr lang="sv-SE" dirty="0" err="1"/>
+              <a:t>living</a:t>
+            </a:r>
+            <a:r>
+              <a:rPr lang="sv-SE" dirty="0"/>
+              <a:t> </a:t>
+            </a:r>
+            <a:r>
+              <a:rPr lang="sv-SE" dirty="0" err="1"/>
+              <a:t>branches</a:t>
+            </a:r>
+            <a:endParaRPr lang="sv-SE" dirty="0"/>
+          </a:p>
+          <a:p>
+            <a:pPr lvl="1"/>
+            <a:r>
+              <a:rPr lang="sv-SE" dirty="0" err="1"/>
+              <a:t>Keep</a:t>
+            </a:r>
+            <a:r>
+              <a:rPr lang="sv-SE" dirty="0"/>
+              <a:t> the </a:t>
+            </a:r>
+            <a:r>
+              <a:rPr lang="sv-SE" dirty="0" err="1"/>
+              <a:t>branch</a:t>
+            </a:r>
+            <a:r>
+              <a:rPr lang="sv-SE" dirty="0"/>
+              <a:t> up-to-date </a:t>
+            </a:r>
+            <a:r>
+              <a:rPr lang="sv-SE" dirty="0" err="1"/>
+              <a:t>with</a:t>
+            </a:r>
+            <a:r>
+              <a:rPr lang="sv-SE" dirty="0"/>
+              <a:t> </a:t>
+            </a:r>
+            <a:r>
+              <a:rPr lang="sv-SE" dirty="0" err="1"/>
+              <a:t>its</a:t>
+            </a:r>
+            <a:r>
+              <a:rPr lang="sv-SE" dirty="0"/>
+              <a:t> </a:t>
+            </a:r>
+            <a:r>
+              <a:rPr lang="sv-SE" dirty="0" err="1"/>
+              <a:t>parent</a:t>
+            </a:r>
+            <a:r>
+              <a:rPr lang="sv-SE" dirty="0"/>
+              <a:t> </a:t>
+            </a:r>
+            <a:r>
+              <a:rPr lang="sv-SE" dirty="0" err="1"/>
+              <a:t>branch</a:t>
+            </a:r>
+            <a:endParaRPr lang="sv-SE" dirty="0"/>
           </a:p>
         </p:txBody>
       </p:sp>
     </p:spTree>
     <p:extLst>
       <p:ext uri="{BB962C8B-B14F-4D97-AF65-F5344CB8AC3E}">
-        <p14:creationId xmlns:p14="http://schemas.microsoft.com/office/powerpoint/2010/main" val="1475737170"/>
+        <p14:creationId xmlns:p14="http://schemas.microsoft.com/office/powerpoint/2010/main" val="2241191539"/>
       </p:ext>
     </p:extLst>
   </p:cSld>
@@ -4955,6 +4875,161 @@
           <p:cNvPr id="2" name="Title 1">
             <a:extLst>
               <a:ext uri="{FF2B5EF4-FFF2-40B4-BE49-F238E27FC236}">
+                <a16:creationId xmlns:a16="http://schemas.microsoft.com/office/drawing/2014/main" id="{43805440-5A64-7B40-8239-AB3C2472503B}"/>
+              </a:ext>
+            </a:extLst>
+          </p:cNvPr>
+          <p:cNvSpPr>
+            <a:spLocks noGrp="1"/>
+          </p:cNvSpPr>
+          <p:nvPr>
+            <p:ph type="title"/>
+          </p:nvPr>
+        </p:nvSpPr>
+        <p:spPr/>
+        <p:txBody>
+          <a:bodyPr/>
+          <a:lstStyle/>
+          <a:p>
+            <a:r>
+              <a:rPr lang="sv-SE" dirty="0"/>
+              <a:t>GUI </a:t>
+            </a:r>
+            <a:r>
+              <a:rPr lang="sv-SE" dirty="0" err="1"/>
+              <a:t>clients</a:t>
+            </a:r>
+            <a:endParaRPr lang="sv-SE" dirty="0"/>
+          </a:p>
+        </p:txBody>
+      </p:sp>
+      <p:sp>
+        <p:nvSpPr>
+          <p:cNvPr id="3" name="Content Placeholder 2">
+            <a:extLst>
+              <a:ext uri="{FF2B5EF4-FFF2-40B4-BE49-F238E27FC236}">
+                <a16:creationId xmlns:a16="http://schemas.microsoft.com/office/drawing/2014/main" id="{D99AC3F7-BDF5-D543-B9D0-0D9FBC29AFD6}"/>
+              </a:ext>
+            </a:extLst>
+          </p:cNvPr>
+          <p:cNvSpPr>
+            <a:spLocks noGrp="1"/>
+          </p:cNvSpPr>
+          <p:nvPr>
+            <p:ph idx="1"/>
+          </p:nvPr>
+        </p:nvSpPr>
+        <p:spPr/>
+        <p:txBody>
+          <a:bodyPr/>
+          <a:lstStyle/>
+          <a:p>
+            <a:r>
+              <a:rPr lang="sv-SE" dirty="0">
+                <a:hlinkClick r:id="rId2"/>
+              </a:rPr>
+              <a:t>https://www.sourcetreeapp.com/</a:t>
+            </a:r>
+            <a:endParaRPr lang="sv-SE" dirty="0"/>
+          </a:p>
+          <a:p>
+            <a:r>
+              <a:rPr lang="sv-SE" dirty="0">
+                <a:hlinkClick r:id="rId3"/>
+              </a:rPr>
+              <a:t>https://desktop.github.com/</a:t>
+            </a:r>
+            <a:endParaRPr lang="sv-SE" dirty="0"/>
+          </a:p>
+          <a:p>
+            <a:r>
+              <a:rPr lang="sv-SE" dirty="0">
+                <a:hlinkClick r:id="rId4"/>
+              </a:rPr>
+              <a:t>https://gitextensions.github.io/</a:t>
+            </a:r>
+            <a:endParaRPr lang="sv-SE" dirty="0"/>
+          </a:p>
+          <a:p>
+            <a:r>
+              <a:rPr lang="sv-SE" dirty="0">
+                <a:hlinkClick r:id="rId5"/>
+              </a:rPr>
+              <a:t>https://git-fork.com/</a:t>
+            </a:r>
+            <a:endParaRPr lang="sv-SE" dirty="0"/>
+          </a:p>
+          <a:p>
+            <a:r>
+              <a:rPr lang="sv-SE" dirty="0" err="1"/>
+              <a:t>https</a:t>
+            </a:r>
+            <a:r>
+              <a:rPr lang="sv-SE" dirty="0"/>
+              <a:t>://</a:t>
+            </a:r>
+            <a:r>
+              <a:rPr lang="sv-SE" dirty="0" err="1"/>
+              <a:t>git-scm.com</a:t>
+            </a:r>
+            <a:r>
+              <a:rPr lang="sv-SE" dirty="0"/>
+              <a:t>/</a:t>
+            </a:r>
+            <a:r>
+              <a:rPr lang="sv-SE" dirty="0" err="1"/>
+              <a:t>downloads</a:t>
+            </a:r>
+            <a:r>
+              <a:rPr lang="sv-SE" dirty="0"/>
+              <a:t>/</a:t>
+            </a:r>
+            <a:r>
+              <a:rPr lang="sv-SE" dirty="0" err="1"/>
+              <a:t>guis</a:t>
+            </a:r>
+            <a:r>
+              <a:rPr lang="sv-SE" dirty="0"/>
+              <a:t>/</a:t>
+            </a:r>
+          </a:p>
+        </p:txBody>
+      </p:sp>
+    </p:spTree>
+    <p:extLst>
+      <p:ext uri="{BB962C8B-B14F-4D97-AF65-F5344CB8AC3E}">
+        <p14:creationId xmlns:p14="http://schemas.microsoft.com/office/powerpoint/2010/main" val="1475737170"/>
+      </p:ext>
+    </p:extLst>
+  </p:cSld>
+  <p:clrMapOvr>
+    <a:masterClrMapping/>
+  </p:clrMapOvr>
+</p:sld>
+</file>
+
+<file path=ppt/slides/slide16.xml><?xml version="1.0" encoding="utf-8"?>
+<p:sld xmlns:a="http://schemas.openxmlformats.org/drawingml/2006/main" xmlns:r="http://schemas.openxmlformats.org/officeDocument/2006/relationships" xmlns:p="http://schemas.openxmlformats.org/presentationml/2006/main">
+  <p:cSld>
+    <p:spTree>
+      <p:nvGrpSpPr>
+        <p:cNvPr id="1" name=""/>
+        <p:cNvGrpSpPr/>
+        <p:nvPr/>
+      </p:nvGrpSpPr>
+      <p:grpSpPr>
+        <a:xfrm>
+          <a:off x="0" y="0"/>
+          <a:ext cx="0" cy="0"/>
+          <a:chOff x="0" y="0"/>
+          <a:chExt cx="0" cy="0"/>
+        </a:xfrm>
+      </p:grpSpPr>
+      <p:sp>
+        <p:nvSpPr>
+          <p:cNvPr id="2" name="Title 1">
+            <a:extLst>
+              <a:ext uri="{FF2B5EF4-FFF2-40B4-BE49-F238E27FC236}">
                 <a16:creationId xmlns:a16="http://schemas.microsoft.com/office/drawing/2014/main" id="{31B48994-E741-8E46-AA15-1C3C85203801}"/>
               </a:ext>
             </a:extLst>
@@ -5074,6 +5149,749 @@
 </file>
 
 <file path=ppt/slides/slide2.xml><?xml version="1.0" encoding="utf-8"?>
+<p:sld xmlns:a="http://schemas.openxmlformats.org/drawingml/2006/main" xmlns:r="http://schemas.openxmlformats.org/officeDocument/2006/relationships" xmlns:p="http://schemas.openxmlformats.org/presentationml/2006/main">
+  <p:cSld>
+    <p:spTree>
+      <p:nvGrpSpPr>
+        <p:cNvPr id="1" name=""/>
+        <p:cNvGrpSpPr/>
+        <p:nvPr/>
+      </p:nvGrpSpPr>
+      <p:grpSpPr>
+        <a:xfrm>
+          <a:off x="0" y="0"/>
+          <a:ext cx="0" cy="0"/>
+          <a:chOff x="0" y="0"/>
+          <a:chExt cx="0" cy="0"/>
+        </a:xfrm>
+      </p:grpSpPr>
+      <p:sp>
+        <p:nvSpPr>
+          <p:cNvPr id="2" name="Title 1">
+            <a:extLst>
+              <a:ext uri="{FF2B5EF4-FFF2-40B4-BE49-F238E27FC236}">
+                <a16:creationId xmlns:a16="http://schemas.microsoft.com/office/drawing/2014/main" id="{B140FF24-F5B5-5345-AB75-B8DD7984FBCC}"/>
+              </a:ext>
+            </a:extLst>
+          </p:cNvPr>
+          <p:cNvSpPr>
+            <a:spLocks noGrp="1"/>
+          </p:cNvSpPr>
+          <p:nvPr>
+            <p:ph type="title"/>
+          </p:nvPr>
+        </p:nvSpPr>
+        <p:spPr/>
+        <p:txBody>
+          <a:bodyPr/>
+          <a:lstStyle/>
+          <a:p>
+            <a:r>
+              <a:rPr lang="sv-SE" dirty="0"/>
+              <a:t>TFVC vs </a:t>
+            </a:r>
+            <a:r>
+              <a:rPr lang="sv-SE" dirty="0" err="1"/>
+              <a:t>git</a:t>
+            </a:r>
+            <a:endParaRPr lang="sv-SE" dirty="0"/>
+          </a:p>
+        </p:txBody>
+      </p:sp>
+      <p:sp>
+        <p:nvSpPr>
+          <p:cNvPr id="3" name="Content Placeholder 2">
+            <a:extLst>
+              <a:ext uri="{FF2B5EF4-FFF2-40B4-BE49-F238E27FC236}">
+                <a16:creationId xmlns:a16="http://schemas.microsoft.com/office/drawing/2014/main" id="{82D42073-27C9-7640-9983-AE61ACBF0A18}"/>
+              </a:ext>
+            </a:extLst>
+          </p:cNvPr>
+          <p:cNvSpPr>
+            <a:spLocks noGrp="1"/>
+          </p:cNvSpPr>
+          <p:nvPr>
+            <p:ph idx="1"/>
+          </p:nvPr>
+        </p:nvSpPr>
+        <p:spPr/>
+        <p:txBody>
+          <a:bodyPr>
+            <a:normAutofit lnSpcReduction="10000"/>
+          </a:bodyPr>
+          <a:lstStyle/>
+          <a:p>
+            <a:r>
+              <a:rPr lang="sv-SE" dirty="0" err="1"/>
+              <a:t>Centralised</a:t>
+            </a:r>
+            <a:r>
+              <a:rPr lang="sv-SE" dirty="0"/>
+              <a:t> version </a:t>
+            </a:r>
+            <a:r>
+              <a:rPr lang="sv-SE" dirty="0" err="1"/>
+              <a:t>control</a:t>
+            </a:r>
+            <a:endParaRPr lang="sv-SE" dirty="0"/>
+          </a:p>
+          <a:p>
+            <a:pPr lvl="1"/>
+            <a:r>
+              <a:rPr lang="sv-SE" dirty="0"/>
+              <a:t>A server has </a:t>
+            </a:r>
+            <a:r>
+              <a:rPr lang="sv-SE" dirty="0" err="1"/>
+              <a:t>control</a:t>
+            </a:r>
+            <a:r>
+              <a:rPr lang="sv-SE" dirty="0"/>
+              <a:t> </a:t>
+            </a:r>
+            <a:r>
+              <a:rPr lang="sv-SE" dirty="0" err="1"/>
+              <a:t>of</a:t>
+            </a:r>
+            <a:r>
+              <a:rPr lang="sv-SE" dirty="0"/>
+              <a:t> the </a:t>
+            </a:r>
+            <a:r>
+              <a:rPr lang="sv-SE" dirty="0" err="1"/>
+              <a:t>repository</a:t>
+            </a:r>
+            <a:endParaRPr lang="sv-SE" dirty="0"/>
+          </a:p>
+          <a:p>
+            <a:pPr lvl="1"/>
+            <a:r>
+              <a:rPr lang="sv-SE" dirty="0"/>
+              <a:t>A </a:t>
+            </a:r>
+            <a:r>
+              <a:rPr lang="sv-SE" dirty="0" err="1"/>
+              <a:t>client</a:t>
+            </a:r>
+            <a:r>
+              <a:rPr lang="sv-SE" dirty="0"/>
+              <a:t> checks </a:t>
+            </a:r>
+            <a:r>
+              <a:rPr lang="sv-SE" dirty="0" err="1"/>
+              <a:t>out</a:t>
+            </a:r>
+            <a:r>
+              <a:rPr lang="sv-SE" dirty="0"/>
+              <a:t> a snapshot</a:t>
+            </a:r>
+          </a:p>
+          <a:p>
+            <a:pPr lvl="1"/>
+            <a:r>
+              <a:rPr lang="sv-SE" dirty="0"/>
+              <a:t>A </a:t>
+            </a:r>
+            <a:r>
+              <a:rPr lang="sv-SE"/>
+              <a:t>client </a:t>
+            </a:r>
+            <a:r>
+              <a:rPr lang="sv-SE" dirty="0" err="1"/>
+              <a:t>can</a:t>
+            </a:r>
+            <a:r>
+              <a:rPr lang="sv-SE" dirty="0"/>
+              <a:t> ”lock” a </a:t>
+            </a:r>
+            <a:r>
+              <a:rPr lang="sv-SE" dirty="0" err="1"/>
+              <a:t>file</a:t>
+            </a:r>
+            <a:r>
+              <a:rPr lang="sv-SE" dirty="0"/>
+              <a:t> to </a:t>
+            </a:r>
+            <a:r>
+              <a:rPr lang="sv-SE" dirty="0" err="1"/>
+              <a:t>prevent</a:t>
+            </a:r>
+            <a:r>
+              <a:rPr lang="sv-SE" dirty="0"/>
+              <a:t> </a:t>
+            </a:r>
+            <a:r>
+              <a:rPr lang="sv-SE" dirty="0" err="1"/>
+              <a:t>anyone</a:t>
+            </a:r>
+            <a:r>
+              <a:rPr lang="sv-SE" dirty="0"/>
+              <a:t> </a:t>
+            </a:r>
+            <a:r>
+              <a:rPr lang="sv-SE" dirty="0" err="1"/>
+              <a:t>else</a:t>
+            </a:r>
+            <a:r>
+              <a:rPr lang="sv-SE" dirty="0"/>
+              <a:t> from </a:t>
+            </a:r>
+            <a:r>
+              <a:rPr lang="sv-SE" dirty="0" err="1"/>
+              <a:t>making</a:t>
+            </a:r>
+            <a:r>
+              <a:rPr lang="sv-SE" dirty="0"/>
+              <a:t> </a:t>
+            </a:r>
+            <a:r>
+              <a:rPr lang="sv-SE" dirty="0" err="1"/>
+              <a:t>changes</a:t>
+            </a:r>
+            <a:endParaRPr lang="sv-SE" dirty="0"/>
+          </a:p>
+          <a:p>
+            <a:r>
+              <a:rPr lang="sv-SE" dirty="0" err="1"/>
+              <a:t>Distributed</a:t>
+            </a:r>
+            <a:r>
+              <a:rPr lang="sv-SE" dirty="0"/>
+              <a:t> version </a:t>
+            </a:r>
+            <a:r>
+              <a:rPr lang="sv-SE" dirty="0" err="1"/>
+              <a:t>control</a:t>
+            </a:r>
+            <a:endParaRPr lang="sv-SE" dirty="0"/>
+          </a:p>
+          <a:p>
+            <a:pPr lvl="1"/>
+            <a:r>
+              <a:rPr lang="sv-SE" dirty="0" err="1"/>
+              <a:t>Each</a:t>
+            </a:r>
+            <a:r>
+              <a:rPr lang="sv-SE" dirty="0"/>
+              <a:t> </a:t>
+            </a:r>
+            <a:r>
+              <a:rPr lang="sv-SE" dirty="0" err="1"/>
+              <a:t>client</a:t>
+            </a:r>
+            <a:r>
+              <a:rPr lang="sv-SE" dirty="0"/>
+              <a:t> has the full </a:t>
+            </a:r>
+            <a:r>
+              <a:rPr lang="sv-SE" dirty="0" err="1"/>
+              <a:t>repository</a:t>
+            </a:r>
+            <a:r>
+              <a:rPr lang="sv-SE" dirty="0"/>
+              <a:t> on </a:t>
+            </a:r>
+            <a:r>
+              <a:rPr lang="sv-SE" dirty="0" err="1"/>
+              <a:t>their</a:t>
+            </a:r>
+            <a:r>
+              <a:rPr lang="sv-SE" dirty="0"/>
+              <a:t> computer</a:t>
+            </a:r>
+          </a:p>
+          <a:p>
+            <a:pPr lvl="1"/>
+            <a:r>
+              <a:rPr lang="sv-SE" dirty="0"/>
+              <a:t>The </a:t>
+            </a:r>
+            <a:r>
+              <a:rPr lang="sv-SE" dirty="0" err="1"/>
+              <a:t>client</a:t>
+            </a:r>
+            <a:r>
+              <a:rPr lang="sv-SE" dirty="0"/>
+              <a:t> </a:t>
+            </a:r>
+            <a:r>
+              <a:rPr lang="sv-SE" dirty="0" err="1"/>
+              <a:t>pushes</a:t>
+            </a:r>
+            <a:r>
+              <a:rPr lang="sv-SE" dirty="0"/>
+              <a:t> </a:t>
+            </a:r>
+            <a:r>
+              <a:rPr lang="sv-SE" dirty="0" err="1"/>
+              <a:t>their</a:t>
+            </a:r>
+            <a:r>
+              <a:rPr lang="sv-SE" dirty="0"/>
+              <a:t> </a:t>
+            </a:r>
+            <a:r>
+              <a:rPr lang="sv-SE" dirty="0" err="1"/>
+              <a:t>changes</a:t>
+            </a:r>
+            <a:r>
+              <a:rPr lang="sv-SE" dirty="0"/>
+              <a:t> to a central </a:t>
+            </a:r>
+            <a:r>
+              <a:rPr lang="sv-SE" dirty="0" err="1"/>
+              <a:t>repository</a:t>
+            </a:r>
+            <a:endParaRPr lang="sv-SE" dirty="0"/>
+          </a:p>
+          <a:p>
+            <a:pPr marL="0" indent="0">
+              <a:buNone/>
+            </a:pPr>
+            <a:endParaRPr lang="sv-SE" dirty="0"/>
+          </a:p>
+          <a:p>
+            <a:pPr marL="0" indent="0">
+              <a:buNone/>
+            </a:pPr>
+            <a:endParaRPr lang="sv-SE" dirty="0"/>
+          </a:p>
+        </p:txBody>
+      </p:sp>
+      <p:sp>
+        <p:nvSpPr>
+          <p:cNvPr id="4" name="Title 1">
+            <a:extLst>
+              <a:ext uri="{FF2B5EF4-FFF2-40B4-BE49-F238E27FC236}">
+                <a16:creationId xmlns:a16="http://schemas.microsoft.com/office/drawing/2014/main" id="{18986C9F-76B8-CB43-96A5-667E40700DE7}"/>
+              </a:ext>
+            </a:extLst>
+          </p:cNvPr>
+          <p:cNvSpPr txBox="1">
+            <a:spLocks/>
+          </p:cNvSpPr>
+          <p:nvPr/>
+        </p:nvSpPr>
+        <p:spPr>
+          <a:xfrm>
+            <a:off x="467544" y="260648"/>
+            <a:ext cx="8229600" cy="1143000"/>
+          </a:xfrm>
+          <a:prstGeom prst="rect">
+            <a:avLst/>
+          </a:prstGeom>
+        </p:spPr>
+        <p:txBody>
+          <a:bodyPr vert="horz" lIns="91440" tIns="45720" rIns="91440" bIns="45720" rtlCol="0" anchor="ctr">
+            <a:normAutofit/>
+          </a:bodyPr>
+          <a:lstStyle>
+            <a:lvl1pPr algn="ctr" defTabSz="914400" rtl="0" eaLnBrk="1" latinLnBrk="0" hangingPunct="1">
+              <a:spcBef>
+                <a:spcPct val="0"/>
+              </a:spcBef>
+              <a:buNone/>
+              <a:defRPr sz="4000" kern="1200">
+                <a:solidFill>
+                  <a:srgbClr val="F68B1F"/>
+                </a:solidFill>
+                <a:latin typeface="Interstate Bold" pitchFamily="50" charset="0"/>
+                <a:ea typeface="+mj-ea"/>
+                <a:cs typeface="+mj-cs"/>
+              </a:defRPr>
+            </a:lvl1pPr>
+          </a:lstStyle>
+          <a:p>
+            <a:r>
+              <a:rPr lang="sv-SE" dirty="0" err="1"/>
+              <a:t>Centralised</a:t>
+            </a:r>
+            <a:r>
+              <a:rPr lang="sv-SE" dirty="0"/>
+              <a:t> vs </a:t>
+            </a:r>
+            <a:r>
+              <a:rPr lang="sv-SE" dirty="0" err="1"/>
+              <a:t>Distributed</a:t>
+            </a:r>
+            <a:endParaRPr lang="sv-SE" dirty="0"/>
+          </a:p>
+        </p:txBody>
+      </p:sp>
+    </p:spTree>
+    <p:extLst>
+      <p:ext uri="{BB962C8B-B14F-4D97-AF65-F5344CB8AC3E}">
+        <p14:creationId xmlns:p14="http://schemas.microsoft.com/office/powerpoint/2010/main" val="152913720"/>
+      </p:ext>
+    </p:extLst>
+  </p:cSld>
+  <p:clrMapOvr>
+    <a:masterClrMapping/>
+  </p:clrMapOvr>
+  <p:timing>
+    <p:tnLst>
+      <p:par>
+        <p:cTn id="1" dur="indefinite" restart="never" nodeType="tmRoot">
+          <p:childTnLst>
+            <p:seq concurrent="1" nextAc="seek">
+              <p:cTn id="2" dur="indefinite" nodeType="mainSeq">
+                <p:childTnLst>
+                  <p:par>
+                    <p:cTn id="3" fill="hold">
+                      <p:stCondLst>
+                        <p:cond delay="indefinite"/>
+                      </p:stCondLst>
+                      <p:childTnLst>
+                        <p:par>
+                          <p:cTn id="4" fill="hold">
+                            <p:stCondLst>
+                              <p:cond delay="0"/>
+                            </p:stCondLst>
+                            <p:childTnLst>
+                              <p:par>
+                                <p:cTn id="5" presetID="1" presetClass="exit" presetSubtype="0" fill="hold" grpId="0" nodeType="clickEffect">
+                                  <p:stCondLst>
+                                    <p:cond delay="0"/>
+                                  </p:stCondLst>
+                                  <p:childTnLst>
+                                    <p:set>
+                                      <p:cBhvr>
+                                        <p:cTn id="6" dur="1" fill="hold">
+                                          <p:stCondLst>
+                                            <p:cond delay="0"/>
+                                          </p:stCondLst>
+                                        </p:cTn>
+                                        <p:tgtEl>
+                                          <p:spTgt spid="2"/>
+                                        </p:tgtEl>
+                                        <p:attrNameLst>
+                                          <p:attrName>style.visibility</p:attrName>
+                                        </p:attrNameLst>
+                                      </p:cBhvr>
+                                      <p:to>
+                                        <p:strVal val="hidden"/>
+                                      </p:to>
+                                    </p:set>
+                                  </p:childTnLst>
+                                </p:cTn>
+                              </p:par>
+                              <p:par>
+                                <p:cTn id="7" presetID="1" presetClass="entr" presetSubtype="0" fill="hold" grpId="0" nodeType="withEffect">
+                                  <p:stCondLst>
+                                    <p:cond delay="0"/>
+                                  </p:stCondLst>
+                                  <p:childTnLst>
+                                    <p:set>
+                                      <p:cBhvr>
+                                        <p:cTn id="8" dur="1" fill="hold">
+                                          <p:stCondLst>
+                                            <p:cond delay="0"/>
+                                          </p:stCondLst>
+                                        </p:cTn>
+                                        <p:tgtEl>
+                                          <p:spTgt spid="4"/>
+                                        </p:tgtEl>
+                                        <p:attrNameLst>
+                                          <p:attrName>style.visibility</p:attrName>
+                                        </p:attrNameLst>
+                                      </p:cBhvr>
+                                      <p:to>
+                                        <p:strVal val="visible"/>
+                                      </p:to>
+                                    </p:set>
+                                  </p:childTnLst>
+                                </p:cTn>
+                              </p:par>
+                            </p:childTnLst>
+                          </p:cTn>
+                        </p:par>
+                      </p:childTnLst>
+                    </p:cTn>
+                  </p:par>
+                  <p:par>
+                    <p:cTn id="9" fill="hold">
+                      <p:stCondLst>
+                        <p:cond delay="indefinite"/>
+                      </p:stCondLst>
+                      <p:childTnLst>
+                        <p:par>
+                          <p:cTn id="10" fill="hold">
+                            <p:stCondLst>
+                              <p:cond delay="0"/>
+                            </p:stCondLst>
+                            <p:childTnLst>
+                              <p:par>
+                                <p:cTn id="11" presetID="1" presetClass="entr" presetSubtype="0" fill="hold" grpId="0" nodeType="clickEffect">
+                                  <p:stCondLst>
+                                    <p:cond delay="0"/>
+                                  </p:stCondLst>
+                                  <p:childTnLst>
+                                    <p:set>
+                                      <p:cBhvr>
+                                        <p:cTn id="12" dur="1" fill="hold">
+                                          <p:stCondLst>
+                                            <p:cond delay="0"/>
+                                          </p:stCondLst>
+                                        </p:cTn>
+                                        <p:tgtEl>
+                                          <p:spTgt spid="3">
+                                            <p:txEl>
+                                              <p:pRg st="0" end="0"/>
+                                            </p:txEl>
+                                          </p:spTgt>
+                                        </p:tgtEl>
+                                        <p:attrNameLst>
+                                          <p:attrName>style.visibility</p:attrName>
+                                        </p:attrNameLst>
+                                      </p:cBhvr>
+                                      <p:to>
+                                        <p:strVal val="visible"/>
+                                      </p:to>
+                                    </p:set>
+                                  </p:childTnLst>
+                                </p:cTn>
+                              </p:par>
+                              <p:par>
+                                <p:cTn id="13" presetID="1" presetClass="entr" presetSubtype="0" fill="hold" grpId="0" nodeType="withEffect">
+                                  <p:stCondLst>
+                                    <p:cond delay="0"/>
+                                  </p:stCondLst>
+                                  <p:childTnLst>
+                                    <p:set>
+                                      <p:cBhvr>
+                                        <p:cTn id="14" dur="1" fill="hold">
+                                          <p:stCondLst>
+                                            <p:cond delay="0"/>
+                                          </p:stCondLst>
+                                        </p:cTn>
+                                        <p:tgtEl>
+                                          <p:spTgt spid="3">
+                                            <p:txEl>
+                                              <p:pRg st="1" end="1"/>
+                                            </p:txEl>
+                                          </p:spTgt>
+                                        </p:tgtEl>
+                                        <p:attrNameLst>
+                                          <p:attrName>style.visibility</p:attrName>
+                                        </p:attrNameLst>
+                                      </p:cBhvr>
+                                      <p:to>
+                                        <p:strVal val="visible"/>
+                                      </p:to>
+                                    </p:set>
+                                  </p:childTnLst>
+                                </p:cTn>
+                              </p:par>
+                              <p:par>
+                                <p:cTn id="15" presetID="1" presetClass="entr" presetSubtype="0" fill="hold" grpId="0" nodeType="withEffect">
+                                  <p:stCondLst>
+                                    <p:cond delay="0"/>
+                                  </p:stCondLst>
+                                  <p:childTnLst>
+                                    <p:set>
+                                      <p:cBhvr>
+                                        <p:cTn id="16" dur="1" fill="hold">
+                                          <p:stCondLst>
+                                            <p:cond delay="0"/>
+                                          </p:stCondLst>
+                                        </p:cTn>
+                                        <p:tgtEl>
+                                          <p:spTgt spid="3">
+                                            <p:txEl>
+                                              <p:pRg st="2" end="2"/>
+                                            </p:txEl>
+                                          </p:spTgt>
+                                        </p:tgtEl>
+                                        <p:attrNameLst>
+                                          <p:attrName>style.visibility</p:attrName>
+                                        </p:attrNameLst>
+                                      </p:cBhvr>
+                                      <p:to>
+                                        <p:strVal val="visible"/>
+                                      </p:to>
+                                    </p:set>
+                                  </p:childTnLst>
+                                </p:cTn>
+                              </p:par>
+                              <p:par>
+                                <p:cTn id="17" presetID="1" presetClass="entr" presetSubtype="0" fill="hold" grpId="0" nodeType="withEffect">
+                                  <p:stCondLst>
+                                    <p:cond delay="0"/>
+                                  </p:stCondLst>
+                                  <p:childTnLst>
+                                    <p:set>
+                                      <p:cBhvr>
+                                        <p:cTn id="18" dur="1" fill="hold">
+                                          <p:stCondLst>
+                                            <p:cond delay="0"/>
+                                          </p:stCondLst>
+                                        </p:cTn>
+                                        <p:tgtEl>
+                                          <p:spTgt spid="3">
+                                            <p:txEl>
+                                              <p:pRg st="3" end="3"/>
+                                            </p:txEl>
+                                          </p:spTgt>
+                                        </p:tgtEl>
+                                        <p:attrNameLst>
+                                          <p:attrName>style.visibility</p:attrName>
+                                        </p:attrNameLst>
+                                      </p:cBhvr>
+                                      <p:to>
+                                        <p:strVal val="visible"/>
+                                      </p:to>
+                                    </p:set>
+                                  </p:childTnLst>
+                                </p:cTn>
+                              </p:par>
+                            </p:childTnLst>
+                          </p:cTn>
+                        </p:par>
+                      </p:childTnLst>
+                    </p:cTn>
+                  </p:par>
+                  <p:par>
+                    <p:cTn id="19" fill="hold">
+                      <p:stCondLst>
+                        <p:cond delay="indefinite"/>
+                      </p:stCondLst>
+                      <p:childTnLst>
+                        <p:par>
+                          <p:cTn id="20" fill="hold">
+                            <p:stCondLst>
+                              <p:cond delay="0"/>
+                            </p:stCondLst>
+                            <p:childTnLst>
+                              <p:par>
+                                <p:cTn id="21" presetID="1" presetClass="entr" presetSubtype="0" fill="hold" grpId="0" nodeType="clickEffect">
+                                  <p:stCondLst>
+                                    <p:cond delay="0"/>
+                                  </p:stCondLst>
+                                  <p:childTnLst>
+                                    <p:set>
+                                      <p:cBhvr>
+                                        <p:cTn id="22" dur="1" fill="hold">
+                                          <p:stCondLst>
+                                            <p:cond delay="0"/>
+                                          </p:stCondLst>
+                                        </p:cTn>
+                                        <p:tgtEl>
+                                          <p:spTgt spid="3">
+                                            <p:txEl>
+                                              <p:pRg st="4" end="4"/>
+                                            </p:txEl>
+                                          </p:spTgt>
+                                        </p:tgtEl>
+                                        <p:attrNameLst>
+                                          <p:attrName>style.visibility</p:attrName>
+                                        </p:attrNameLst>
+                                      </p:cBhvr>
+                                      <p:to>
+                                        <p:strVal val="visible"/>
+                                      </p:to>
+                                    </p:set>
+                                  </p:childTnLst>
+                                </p:cTn>
+                              </p:par>
+                              <p:par>
+                                <p:cTn id="23" presetID="1" presetClass="entr" presetSubtype="0" fill="hold" grpId="0" nodeType="withEffect">
+                                  <p:stCondLst>
+                                    <p:cond delay="0"/>
+                                  </p:stCondLst>
+                                  <p:childTnLst>
+                                    <p:set>
+                                      <p:cBhvr>
+                                        <p:cTn id="24" dur="1" fill="hold">
+                                          <p:stCondLst>
+                                            <p:cond delay="0"/>
+                                          </p:stCondLst>
+                                        </p:cTn>
+                                        <p:tgtEl>
+                                          <p:spTgt spid="3">
+                                            <p:txEl>
+                                              <p:pRg st="5" end="5"/>
+                                            </p:txEl>
+                                          </p:spTgt>
+                                        </p:tgtEl>
+                                        <p:attrNameLst>
+                                          <p:attrName>style.visibility</p:attrName>
+                                        </p:attrNameLst>
+                                      </p:cBhvr>
+                                      <p:to>
+                                        <p:strVal val="visible"/>
+                                      </p:to>
+                                    </p:set>
+                                  </p:childTnLst>
+                                </p:cTn>
+                              </p:par>
+                              <p:par>
+                                <p:cTn id="25" presetID="1" presetClass="entr" presetSubtype="0" fill="hold" grpId="0" nodeType="withEffect">
+                                  <p:stCondLst>
+                                    <p:cond delay="0"/>
+                                  </p:stCondLst>
+                                  <p:childTnLst>
+                                    <p:set>
+                                      <p:cBhvr>
+                                        <p:cTn id="26" dur="1" fill="hold">
+                                          <p:stCondLst>
+                                            <p:cond delay="0"/>
+                                          </p:stCondLst>
+                                        </p:cTn>
+                                        <p:tgtEl>
+                                          <p:spTgt spid="3">
+                                            <p:txEl>
+                                              <p:pRg st="6" end="6"/>
+                                            </p:txEl>
+                                          </p:spTgt>
+                                        </p:tgtEl>
+                                        <p:attrNameLst>
+                                          <p:attrName>style.visibility</p:attrName>
+                                        </p:attrNameLst>
+                                      </p:cBhvr>
+                                      <p:to>
+                                        <p:strVal val="visible"/>
+                                      </p:to>
+                                    </p:set>
+                                  </p:childTnLst>
+                                </p:cTn>
+                              </p:par>
+                            </p:childTnLst>
+                          </p:cTn>
+                        </p:par>
+                      </p:childTnLst>
+                    </p:cTn>
+                  </p:par>
+                </p:childTnLst>
+              </p:cTn>
+              <p:prevCondLst>
+                <p:cond evt="onPrev" delay="0">
+                  <p:tgtEl>
+                    <p:sldTgt/>
+                  </p:tgtEl>
+                </p:cond>
+              </p:prevCondLst>
+              <p:nextCondLst>
+                <p:cond evt="onNext" delay="0">
+                  <p:tgtEl>
+                    <p:sldTgt/>
+                  </p:tgtEl>
+                </p:cond>
+              </p:nextCondLst>
+            </p:seq>
+          </p:childTnLst>
+        </p:cTn>
+      </p:par>
+    </p:tnLst>
+    <p:bldLst>
+      <p:bldP spid="2" grpId="0"/>
+      <p:bldP spid="3" grpId="0" build="p"/>
+      <p:bldP spid="4" grpId="0"/>
+    </p:bldLst>
+  </p:timing>
+</p:sld>
+</file>
+
+<file path=ppt/slides/slide3.xml><?xml version="1.0" encoding="utf-8"?>
 <p:sld xmlns:a="http://schemas.openxmlformats.org/drawingml/2006/main" xmlns:r="http://schemas.openxmlformats.org/officeDocument/2006/relationships" xmlns:p="http://schemas.openxmlformats.org/presentationml/2006/main">
   <p:cSld>
     <p:spTree>
@@ -6458,7 +7276,7 @@
 </p:sld>
 </file>
 
-<file path=ppt/slides/slide3.xml><?xml version="1.0" encoding="utf-8"?>
+<file path=ppt/slides/slide4.xml><?xml version="1.0" encoding="utf-8"?>
 <p:sld xmlns:a="http://schemas.openxmlformats.org/drawingml/2006/main" xmlns:r="http://schemas.openxmlformats.org/officeDocument/2006/relationships" xmlns:p="http://schemas.openxmlformats.org/presentationml/2006/main">
   <p:cSld>
     <p:spTree>
@@ -6793,7 +7611,7 @@
 </p:sld>
 </file>
 
-<file path=ppt/slides/slide4.xml><?xml version="1.0" encoding="utf-8"?>
+<file path=ppt/slides/slide5.xml><?xml version="1.0" encoding="utf-8"?>
 <p:sld xmlns:a="http://schemas.openxmlformats.org/drawingml/2006/main" xmlns:r="http://schemas.openxmlformats.org/officeDocument/2006/relationships" xmlns:p="http://schemas.openxmlformats.org/presentationml/2006/main">
   <p:cSld>
     <p:spTree>
@@ -7067,7 +7885,7 @@
 </p:sld>
 </file>
 
-<file path=ppt/slides/slide5.xml><?xml version="1.0" encoding="utf-8"?>
+<file path=ppt/slides/slide6.xml><?xml version="1.0" encoding="utf-8"?>
 <p:sld xmlns:a="http://schemas.openxmlformats.org/drawingml/2006/main" xmlns:r="http://schemas.openxmlformats.org/officeDocument/2006/relationships" xmlns:p="http://schemas.openxmlformats.org/presentationml/2006/main">
   <p:cSld>
     <p:spTree>
@@ -8141,152 +8959,6 @@
 </p:sld>
 </file>
 
-<file path=ppt/slides/slide6.xml><?xml version="1.0" encoding="utf-8"?>
-<p:sld xmlns:a="http://schemas.openxmlformats.org/drawingml/2006/main" xmlns:r="http://schemas.openxmlformats.org/officeDocument/2006/relationships" xmlns:p="http://schemas.openxmlformats.org/presentationml/2006/main">
-  <p:cSld>
-    <p:spTree>
-      <p:nvGrpSpPr>
-        <p:cNvPr id="1" name=""/>
-        <p:cNvGrpSpPr/>
-        <p:nvPr/>
-      </p:nvGrpSpPr>
-      <p:grpSpPr>
-        <a:xfrm>
-          <a:off x="0" y="0"/>
-          <a:ext cx="0" cy="0"/>
-          <a:chOff x="0" y="0"/>
-          <a:chExt cx="0" cy="0"/>
-        </a:xfrm>
-      </p:grpSpPr>
-      <p:sp>
-        <p:nvSpPr>
-          <p:cNvPr id="2" name="Title 1">
-            <a:extLst>
-              <a:ext uri="{FF2B5EF4-FFF2-40B4-BE49-F238E27FC236}">
-                <a16:creationId xmlns:a16="http://schemas.microsoft.com/office/drawing/2014/main" id="{19231DB2-6272-A146-8F5C-7A3280586189}"/>
-              </a:ext>
-            </a:extLst>
-          </p:cNvPr>
-          <p:cNvSpPr>
-            <a:spLocks noGrp="1"/>
-          </p:cNvSpPr>
-          <p:nvPr>
-            <p:ph type="title"/>
-          </p:nvPr>
-        </p:nvSpPr>
-        <p:spPr/>
-        <p:txBody>
-          <a:bodyPr/>
-          <a:lstStyle/>
-          <a:p>
-            <a:r>
-              <a:rPr lang="sv-SE" dirty="0" err="1"/>
-              <a:t>branches</a:t>
-            </a:r>
-            <a:endParaRPr lang="sv-SE" dirty="0"/>
-          </a:p>
-        </p:txBody>
-      </p:sp>
-      <p:sp>
-        <p:nvSpPr>
-          <p:cNvPr id="3" name="Content Placeholder 2">
-            <a:extLst>
-              <a:ext uri="{FF2B5EF4-FFF2-40B4-BE49-F238E27FC236}">
-                <a16:creationId xmlns:a16="http://schemas.microsoft.com/office/drawing/2014/main" id="{CABB03D6-3CFC-2949-9320-3AE168010E03}"/>
-              </a:ext>
-            </a:extLst>
-          </p:cNvPr>
-          <p:cNvSpPr>
-            <a:spLocks noGrp="1"/>
-          </p:cNvSpPr>
-          <p:nvPr>
-            <p:ph idx="1"/>
-          </p:nvPr>
-        </p:nvSpPr>
-        <p:spPr/>
-        <p:txBody>
-          <a:bodyPr/>
-          <a:lstStyle/>
-          <a:p>
-            <a:r>
-              <a:rPr lang="sv-SE" dirty="0" err="1"/>
-              <a:t>Branches</a:t>
-            </a:r>
-            <a:r>
-              <a:rPr lang="sv-SE" dirty="0"/>
-              <a:t> in </a:t>
-            </a:r>
-            <a:r>
-              <a:rPr lang="sv-SE" dirty="0" err="1"/>
-              <a:t>git</a:t>
-            </a:r>
-            <a:r>
-              <a:rPr lang="sv-SE" dirty="0"/>
-              <a:t> </a:t>
-            </a:r>
-            <a:r>
-              <a:rPr lang="sv-SE" dirty="0" err="1"/>
-              <a:t>are</a:t>
-            </a:r>
-            <a:r>
-              <a:rPr lang="sv-SE" dirty="0"/>
-              <a:t> </a:t>
-            </a:r>
-            <a:r>
-              <a:rPr lang="sv-SE" dirty="0" err="1"/>
-              <a:t>very</a:t>
-            </a:r>
-            <a:r>
-              <a:rPr lang="sv-SE" dirty="0"/>
-              <a:t> </a:t>
-            </a:r>
-            <a:r>
-              <a:rPr lang="sv-SE" dirty="0" err="1"/>
-              <a:t>light-weight</a:t>
-            </a:r>
-            <a:endParaRPr lang="sv-SE" dirty="0"/>
-          </a:p>
-          <a:p>
-            <a:r>
-              <a:rPr lang="sv-SE" dirty="0" err="1"/>
-              <a:t>Create</a:t>
-            </a:r>
-            <a:r>
-              <a:rPr lang="sv-SE" dirty="0"/>
-              <a:t> </a:t>
-            </a:r>
-            <a:r>
-              <a:rPr lang="sv-SE" dirty="0" err="1"/>
-              <a:t>many</a:t>
-            </a:r>
-            <a:r>
-              <a:rPr lang="sv-SE" dirty="0"/>
-              <a:t> </a:t>
-            </a:r>
-            <a:r>
-              <a:rPr lang="sv-SE" dirty="0" err="1"/>
-              <a:t>branches</a:t>
-            </a:r>
-            <a:endParaRPr lang="sv-SE" dirty="0"/>
-          </a:p>
-          <a:p>
-            <a:endParaRPr lang="sv-SE" dirty="0"/>
-          </a:p>
-        </p:txBody>
-      </p:sp>
-    </p:spTree>
-    <p:extLst>
-      <p:ext uri="{BB962C8B-B14F-4D97-AF65-F5344CB8AC3E}">
-        <p14:creationId xmlns:p14="http://schemas.microsoft.com/office/powerpoint/2010/main" val="526612360"/>
-      </p:ext>
-    </p:extLst>
-  </p:cSld>
-  <p:clrMapOvr>
-    <a:masterClrMapping/>
-  </p:clrMapOvr>
-</p:sld>
-</file>
-
 <file path=ppt/slides/slide7.xml><?xml version="1.0" encoding="utf-8"?>
 <p:sld xmlns:a="http://schemas.openxmlformats.org/drawingml/2006/main" xmlns:r="http://schemas.openxmlformats.org/officeDocument/2006/relationships" xmlns:p="http://schemas.openxmlformats.org/presentationml/2006/main">
   <p:cSld>
@@ -8309,7 +8981,7 @@
           <p:cNvPr id="2" name="Title 1">
             <a:extLst>
               <a:ext uri="{FF2B5EF4-FFF2-40B4-BE49-F238E27FC236}">
-                <a16:creationId xmlns:a16="http://schemas.microsoft.com/office/drawing/2014/main" id="{D15D07CB-9621-6846-B0CD-3F5A98AB78E1}"/>
+                <a16:creationId xmlns:a16="http://schemas.microsoft.com/office/drawing/2014/main" id="{19231DB2-6272-A146-8F5C-7A3280586189}"/>
               </a:ext>
             </a:extLst>
           </p:cNvPr>
@@ -8327,22 +8999,6 @@
           <a:p>
             <a:r>
               <a:rPr lang="sv-SE" dirty="0" err="1"/>
-              <a:t>working</a:t>
-            </a:r>
-            <a:r>
-              <a:rPr lang="sv-SE" dirty="0"/>
-              <a:t> </a:t>
-            </a:r>
-            <a:r>
-              <a:rPr lang="sv-SE" dirty="0" err="1"/>
-              <a:t>with</a:t>
-            </a:r>
-            <a:r>
-              <a:rPr lang="sv-SE" dirty="0"/>
-              <a:t> </a:t>
-            </a:r>
-            <a:r>
-              <a:rPr lang="sv-SE" dirty="0" err="1"/>
               <a:t>branches</a:t>
             </a:r>
             <a:endParaRPr lang="sv-SE" dirty="0"/>
@@ -8354,7 +9010,7 @@
           <p:cNvPr id="3" name="Content Placeholder 2">
             <a:extLst>
               <a:ext uri="{FF2B5EF4-FFF2-40B4-BE49-F238E27FC236}">
-                <a16:creationId xmlns:a16="http://schemas.microsoft.com/office/drawing/2014/main" id="{6CAFADE0-DDB3-7B47-AD22-6906D794BC13}"/>
+                <a16:creationId xmlns:a16="http://schemas.microsoft.com/office/drawing/2014/main" id="{CABB03D6-3CFC-2949-9320-3AE168010E03}"/>
               </a:ext>
             </a:extLst>
           </p:cNvPr>
@@ -8365,27 +9021,22 @@
             <p:ph idx="1"/>
           </p:nvPr>
         </p:nvSpPr>
-        <p:spPr>
-          <a:xfrm>
-            <a:off x="457200" y="1600200"/>
-            <a:ext cx="8229600" cy="4525963"/>
-          </a:xfrm>
-        </p:spPr>
+        <p:spPr/>
         <p:txBody>
           <a:bodyPr/>
           <a:lstStyle/>
           <a:p>
             <a:r>
               <a:rPr lang="sv-SE" dirty="0" err="1"/>
-              <a:t>use</a:t>
-            </a:r>
-            <a:r>
-              <a:rPr lang="sv-SE" dirty="0"/>
-              <a:t> the </a:t>
-            </a:r>
-            <a:r>
-              <a:rPr lang="sv-SE" b="1" dirty="0"/>
-              <a:t>master</a:t>
+              <a:t>Branches</a:t>
+            </a:r>
+            <a:r>
+              <a:rPr lang="sv-SE" dirty="0"/>
+              <a:t> in </a:t>
+            </a:r>
+            <a:r>
+              <a:rPr lang="sv-SE" dirty="0" err="1"/>
+              <a:t>git</a:t>
             </a:r>
             <a:r>
               <a:rPr lang="sv-SE" dirty="0"/>
@@ -8393,97 +9044,30 @@
             </a:r>
             <a:r>
               <a:rPr lang="sv-SE" dirty="0" err="1"/>
-              <a:t>branch</a:t>
-            </a:r>
-            <a:r>
-              <a:rPr lang="sv-SE" dirty="0"/>
-              <a:t> for releases</a:t>
-            </a:r>
-          </a:p>
-          <a:p>
-            <a:r>
-              <a:rPr lang="sv-SE" dirty="0" err="1"/>
-              <a:t>any</a:t>
-            </a:r>
-            <a:r>
-              <a:rPr lang="sv-SE" dirty="0"/>
-              <a:t> new </a:t>
-            </a:r>
-            <a:r>
-              <a:rPr lang="sv-SE" dirty="0" err="1"/>
-              <a:t>development</a:t>
-            </a:r>
-            <a:r>
-              <a:rPr lang="sv-SE" dirty="0"/>
-              <a:t> is </a:t>
-            </a:r>
-            <a:r>
-              <a:rPr lang="sv-SE" dirty="0" err="1"/>
-              <a:t>done</a:t>
-            </a:r>
-            <a:r>
-              <a:rPr lang="sv-SE" dirty="0"/>
-              <a:t> in a new </a:t>
-            </a:r>
-            <a:r>
-              <a:rPr lang="sv-SE" dirty="0" err="1"/>
-              <a:t>branch</a:t>
-            </a:r>
-            <a:r>
-              <a:rPr lang="sv-SE" dirty="0"/>
-              <a:t>:</a:t>
-            </a:r>
-          </a:p>
-          <a:p>
-            <a:pPr lvl="1"/>
-            <a:r>
-              <a:rPr lang="sv-SE" dirty="0"/>
-              <a:t>feature/support-new-</a:t>
-            </a:r>
-            <a:r>
-              <a:rPr lang="sv-SE" dirty="0" err="1"/>
-              <a:t>language</a:t>
+              <a:t>are</a:t>
+            </a:r>
+            <a:r>
+              <a:rPr lang="sv-SE" dirty="0"/>
+              <a:t> </a:t>
+            </a:r>
+            <a:r>
+              <a:rPr lang="sv-SE" dirty="0" err="1"/>
+              <a:t>very</a:t>
+            </a:r>
+            <a:r>
+              <a:rPr lang="sv-SE" dirty="0"/>
+              <a:t> </a:t>
+            </a:r>
+            <a:r>
+              <a:rPr lang="sv-SE" dirty="0" err="1"/>
+              <a:t>light-weight</a:t>
             </a:r>
             <a:endParaRPr lang="sv-SE" dirty="0"/>
           </a:p>
           <a:p>
-            <a:pPr lvl="1"/>
-            <a:r>
-              <a:rPr lang="sv-SE" dirty="0"/>
-              <a:t>feature/</a:t>
-            </a:r>
-            <a:r>
-              <a:rPr lang="sv-SE" dirty="0" err="1"/>
-              <a:t>add</a:t>
-            </a:r>
-            <a:r>
-              <a:rPr lang="sv-SE" dirty="0"/>
-              <a:t>-</a:t>
-            </a:r>
-            <a:r>
-              <a:rPr lang="sv-SE" dirty="0" err="1"/>
-              <a:t>unit</a:t>
-            </a:r>
-            <a:r>
-              <a:rPr lang="sv-SE" dirty="0"/>
-              <a:t>-tests</a:t>
-            </a:r>
-          </a:p>
-          <a:p>
-            <a:pPr lvl="1"/>
-            <a:r>
-              <a:rPr lang="sv-SE" dirty="0" err="1"/>
-              <a:t>bugfix</a:t>
-            </a:r>
-            <a:r>
-              <a:rPr lang="sv-SE" dirty="0"/>
-              <a:t>/1234-cannot-open-file</a:t>
-            </a:r>
-          </a:p>
-          <a:p>
-            <a:r>
-              <a:rPr lang="sv-SE" dirty="0" err="1"/>
-              <a:t>when</a:t>
+            <a:r>
+              <a:rPr lang="sv-SE" dirty="0" err="1"/>
+              <a:t>Create</a:t>
             </a:r>
             <a:r>
               <a:rPr lang="sv-SE" dirty="0"/>
@@ -8491,31 +9075,7 @@
             </a:r>
             <a:r>
               <a:rPr lang="sv-SE" dirty="0" err="1"/>
-              <a:t>development</a:t>
-            </a:r>
-            <a:r>
-              <a:rPr lang="sv-SE" dirty="0"/>
-              <a:t> is </a:t>
-            </a:r>
-            <a:r>
-              <a:rPr lang="sv-SE" dirty="0" err="1"/>
-              <a:t>done</a:t>
-            </a:r>
-            <a:r>
-              <a:rPr lang="sv-SE" dirty="0"/>
-              <a:t> the </a:t>
-            </a:r>
-            <a:r>
-              <a:rPr lang="sv-SE" dirty="0" err="1"/>
-              <a:t>branch</a:t>
-            </a:r>
-            <a:r>
-              <a:rPr lang="sv-SE" dirty="0"/>
-              <a:t> is </a:t>
-            </a:r>
-            <a:r>
-              <a:rPr lang="sv-SE" dirty="0" err="1"/>
-              <a:t>merged</a:t>
+              <a:t>many</a:t>
             </a:r>
             <a:r>
               <a:rPr lang="sv-SE" dirty="0"/>
@@ -8523,30 +9083,11 @@
             </a:r>
             <a:r>
               <a:rPr lang="sv-SE" dirty="0" err="1"/>
-              <a:t>into</a:t>
-            </a:r>
-            <a:r>
-              <a:rPr lang="sv-SE" dirty="0"/>
-              <a:t> the </a:t>
-            </a:r>
-            <a:r>
-              <a:rPr lang="sv-SE" b="1" dirty="0"/>
-              <a:t>master</a:t>
-            </a:r>
-            <a:r>
-              <a:rPr lang="sv-SE" dirty="0"/>
-              <a:t> </a:t>
-            </a:r>
-            <a:r>
-              <a:rPr lang="sv-SE" dirty="0" err="1"/>
-              <a:t>branch</a:t>
+              <a:t>branches</a:t>
             </a:r>
             <a:endParaRPr lang="sv-SE" dirty="0"/>
           </a:p>
           <a:p>
-            <a:pPr marL="457200" lvl="1" indent="0">
-              <a:buNone/>
-            </a:pPr>
             <a:endParaRPr lang="sv-SE" dirty="0"/>
           </a:p>
         </p:txBody>
@@ -8554,7 +9095,7 @@
     </p:spTree>
     <p:extLst>
       <p:ext uri="{BB962C8B-B14F-4D97-AF65-F5344CB8AC3E}">
-        <p14:creationId xmlns:p14="http://schemas.microsoft.com/office/powerpoint/2010/main" val="1261057457"/>
+        <p14:creationId xmlns:p14="http://schemas.microsoft.com/office/powerpoint/2010/main" val="526612360"/>
       </p:ext>
     </p:extLst>
   </p:cSld>
@@ -8586,7 +9127,7 @@
           <p:cNvPr id="2" name="Title 1">
             <a:extLst>
               <a:ext uri="{FF2B5EF4-FFF2-40B4-BE49-F238E27FC236}">
-                <a16:creationId xmlns:a16="http://schemas.microsoft.com/office/drawing/2014/main" id="{2DF89EB4-9D44-974F-B6BC-B3E63F056418}"/>
+                <a16:creationId xmlns:a16="http://schemas.microsoft.com/office/drawing/2014/main" id="{D15D07CB-9621-6846-B0CD-3F5A98AB78E1}"/>
               </a:ext>
             </a:extLst>
           </p:cNvPr>
@@ -8622,10 +9163,7 @@
               <a:rPr lang="sv-SE" dirty="0" err="1"/>
               <a:t>branches</a:t>
             </a:r>
-            <a:r>
-              <a:rPr lang="sv-SE" dirty="0"/>
-              <a:t> 2</a:t>
-            </a:r>
+            <a:endParaRPr lang="sv-SE" dirty="0"/>
           </a:p>
         </p:txBody>
       </p:sp>
@@ -8634,7 +9172,7 @@
           <p:cNvPr id="3" name="Content Placeholder 2">
             <a:extLst>
               <a:ext uri="{FF2B5EF4-FFF2-40B4-BE49-F238E27FC236}">
-                <a16:creationId xmlns:a16="http://schemas.microsoft.com/office/drawing/2014/main" id="{384BDAEC-6DA2-0345-89C4-7CBF709F694B}"/>
+                <a16:creationId xmlns:a16="http://schemas.microsoft.com/office/drawing/2014/main" id="{6CAFADE0-DDB3-7B47-AD22-6906D794BC13}"/>
               </a:ext>
             </a:extLst>
           </p:cNvPr>
@@ -8645,7 +9183,12 @@
             <p:ph idx="1"/>
           </p:nvPr>
         </p:nvSpPr>
-        <p:spPr/>
+        <p:spPr>
+          <a:xfrm>
+            <a:off x="457200" y="1600200"/>
+            <a:ext cx="8229600" cy="4525963"/>
+          </a:xfrm>
+        </p:spPr>
         <p:txBody>
           <a:bodyPr/>
           <a:lstStyle/>
@@ -8656,7 +9199,7 @@
             </a:r>
             <a:r>
               <a:rPr lang="sv-SE" dirty="0"/>
-              <a:t> a </a:t>
+              <a:t> the </a:t>
             </a:r>
             <a:r>
               <a:rPr lang="sv-SE" b="1" dirty="0"/>
@@ -8678,15 +9221,87 @@
           <a:p>
             <a:r>
               <a:rPr lang="sv-SE" dirty="0" err="1"/>
-              <a:t>use</a:t>
-            </a:r>
-            <a:r>
-              <a:rPr lang="sv-SE" dirty="0"/>
-              <a:t> a </a:t>
-            </a:r>
-            <a:r>
-              <a:rPr lang="sv-SE" b="1" dirty="0" err="1"/>
-              <a:t>develop</a:t>
+              <a:t>any</a:t>
+            </a:r>
+            <a:r>
+              <a:rPr lang="sv-SE" dirty="0"/>
+              <a:t> new </a:t>
+            </a:r>
+            <a:r>
+              <a:rPr lang="sv-SE" dirty="0" err="1"/>
+              <a:t>development</a:t>
+            </a:r>
+            <a:r>
+              <a:rPr lang="sv-SE" dirty="0"/>
+              <a:t> is </a:t>
+            </a:r>
+            <a:r>
+              <a:rPr lang="sv-SE" dirty="0" err="1"/>
+              <a:t>done</a:t>
+            </a:r>
+            <a:r>
+              <a:rPr lang="sv-SE" dirty="0"/>
+              <a:t> in a new </a:t>
+            </a:r>
+            <a:r>
+              <a:rPr lang="sv-SE" dirty="0" err="1"/>
+              <a:t>branch</a:t>
+            </a:r>
+            <a:r>
+              <a:rPr lang="sv-SE" dirty="0"/>
+              <a:t>:</a:t>
+            </a:r>
+          </a:p>
+          <a:p>
+            <a:pPr lvl="1"/>
+            <a:r>
+              <a:rPr lang="sv-SE" dirty="0"/>
+              <a:t>feature/support-new-</a:t>
+            </a:r>
+            <a:r>
+              <a:rPr lang="sv-SE" dirty="0" err="1"/>
+              <a:t>language</a:t>
+            </a:r>
+            <a:endParaRPr lang="sv-SE" dirty="0"/>
+          </a:p>
+          <a:p>
+            <a:pPr lvl="1"/>
+            <a:r>
+              <a:rPr lang="sv-SE" dirty="0"/>
+              <a:t>feature/</a:t>
+            </a:r>
+            <a:r>
+              <a:rPr lang="sv-SE" dirty="0" err="1"/>
+              <a:t>add</a:t>
+            </a:r>
+            <a:r>
+              <a:rPr lang="sv-SE" dirty="0"/>
+              <a:t>-</a:t>
+            </a:r>
+            <a:r>
+              <a:rPr lang="sv-SE" dirty="0" err="1"/>
+              <a:t>unit</a:t>
+            </a:r>
+            <a:r>
+              <a:rPr lang="sv-SE" dirty="0"/>
+              <a:t>-tests</a:t>
+            </a:r>
+          </a:p>
+          <a:p>
+            <a:pPr lvl="1"/>
+            <a:r>
+              <a:rPr lang="sv-SE" dirty="0" err="1"/>
+              <a:t>bugfix</a:t>
+            </a:r>
+            <a:r>
+              <a:rPr lang="sv-SE" dirty="0"/>
+              <a:t>/1234-cannot-open-file</a:t>
+            </a:r>
+          </a:p>
+          <a:p>
+            <a:r>
+              <a:rPr lang="sv-SE" dirty="0" err="1"/>
+              <a:t>when</a:t>
             </a:r>
             <a:r>
               <a:rPr lang="sv-SE" dirty="0"/>
@@ -8694,15 +9309,31 @@
             </a:r>
             <a:r>
               <a:rPr lang="sv-SE" dirty="0" err="1"/>
+              <a:t>development</a:t>
+            </a:r>
+            <a:r>
+              <a:rPr lang="sv-SE" dirty="0"/>
+              <a:t> is </a:t>
+            </a:r>
+            <a:r>
+              <a:rPr lang="sv-SE" dirty="0" err="1"/>
+              <a:t>done</a:t>
+            </a:r>
+            <a:r>
+              <a:rPr lang="sv-SE" dirty="0"/>
+              <a:t> the </a:t>
+            </a:r>
+            <a:r>
+              <a:rPr lang="sv-SE" dirty="0" err="1"/>
               <a:t>branch</a:t>
             </a:r>
             <a:r>
               <a:rPr lang="sv-SE" dirty="0"/>
-              <a:t> for </a:t>
-            </a:r>
-            <a:r>
-              <a:rPr lang="sv-SE" dirty="0" err="1"/>
-              <a:t>ongoing</a:t>
+              <a:t> is </a:t>
+            </a:r>
+            <a:r>
+              <a:rPr lang="sv-SE" dirty="0" err="1"/>
+              <a:t>merged</a:t>
             </a:r>
             <a:r>
               <a:rPr lang="sv-SE" dirty="0"/>
@@ -8710,168 +9341,38 @@
             </a:r>
             <a:r>
               <a:rPr lang="sv-SE" dirty="0" err="1"/>
-              <a:t>work</a:t>
-            </a:r>
-            <a:endParaRPr lang="sv-SE" dirty="0"/>
-          </a:p>
-          <a:p>
-            <a:r>
-              <a:rPr lang="sv-SE" dirty="0"/>
-              <a:t>still </a:t>
-            </a:r>
-            <a:r>
-              <a:rPr lang="sv-SE" dirty="0" err="1"/>
-              <a:t>use</a:t>
-            </a:r>
-            <a:r>
-              <a:rPr lang="sv-SE" dirty="0"/>
-              <a:t> feature- and bug-</a:t>
-            </a:r>
-            <a:r>
-              <a:rPr lang="sv-SE" dirty="0" err="1"/>
-              <a:t>branches</a:t>
-            </a:r>
-            <a:r>
-              <a:rPr lang="sv-SE" dirty="0"/>
-              <a:t> </a:t>
-            </a:r>
-            <a:r>
-              <a:rPr lang="sv-SE" dirty="0" err="1"/>
-              <a:t>starting</a:t>
-            </a:r>
-            <a:r>
-              <a:rPr lang="sv-SE" dirty="0"/>
-              <a:t> from </a:t>
-            </a:r>
-            <a:r>
-              <a:rPr lang="sv-SE" b="1" dirty="0" err="1"/>
-              <a:t>develop</a:t>
-            </a:r>
-            <a:r>
-              <a:rPr lang="sv-SE" dirty="0"/>
-              <a:t> and </a:t>
-            </a:r>
-            <a:r>
-              <a:rPr lang="sv-SE" dirty="0" err="1"/>
-              <a:t>merge</a:t>
-            </a:r>
-            <a:r>
-              <a:rPr lang="sv-SE" dirty="0"/>
-              <a:t> </a:t>
-            </a:r>
-            <a:r>
-              <a:rPr lang="sv-SE" dirty="0" err="1"/>
-              <a:t>them</a:t>
-            </a:r>
-            <a:r>
-              <a:rPr lang="sv-SE" dirty="0"/>
-              <a:t> back to </a:t>
-            </a:r>
-            <a:r>
-              <a:rPr lang="sv-SE" b="1" dirty="0" err="1"/>
-              <a:t>develop</a:t>
-            </a:r>
-            <a:r>
-              <a:rPr lang="sv-SE" dirty="0"/>
-              <a:t> </a:t>
-            </a:r>
-          </a:p>
-          <a:p>
-            <a:r>
-              <a:rPr lang="sv-SE" dirty="0" err="1"/>
-              <a:t>when</a:t>
-            </a:r>
-            <a:r>
-              <a:rPr lang="sv-SE" dirty="0"/>
-              <a:t> </a:t>
-            </a:r>
-            <a:r>
-              <a:rPr lang="sv-SE" b="1" dirty="0" err="1"/>
-              <a:t>develop</a:t>
-            </a:r>
-            <a:r>
-              <a:rPr lang="sv-SE" dirty="0"/>
-              <a:t> is ready for release it is </a:t>
-            </a:r>
-            <a:r>
-              <a:rPr lang="sv-SE" dirty="0" err="1"/>
-              <a:t>merged</a:t>
-            </a:r>
-            <a:r>
-              <a:rPr lang="sv-SE" dirty="0"/>
-              <a:t> </a:t>
-            </a:r>
-            <a:r>
-              <a:rPr lang="sv-SE" dirty="0" err="1"/>
               <a:t>into</a:t>
             </a:r>
             <a:r>
               <a:rPr lang="sv-SE" dirty="0"/>
-              <a:t> </a:t>
+              <a:t> the </a:t>
             </a:r>
             <a:r>
               <a:rPr lang="sv-SE" b="1" dirty="0"/>
               <a:t>master</a:t>
             </a:r>
-          </a:p>
-          <a:p>
-            <a:r>
-              <a:rPr lang="sv-SE" dirty="0" err="1"/>
-              <a:t>with</a:t>
-            </a:r>
             <a:r>
               <a:rPr lang="sv-SE" dirty="0"/>
               <a:t> </a:t>
             </a:r>
             <a:r>
               <a:rPr lang="sv-SE" dirty="0" err="1"/>
-              <a:t>this</a:t>
-            </a:r>
-            <a:r>
-              <a:rPr lang="sv-SE" dirty="0"/>
-              <a:t> approach it is </a:t>
-            </a:r>
-            <a:r>
-              <a:rPr lang="sv-SE" dirty="0" err="1"/>
-              <a:t>possible</a:t>
-            </a:r>
-            <a:r>
-              <a:rPr lang="sv-SE" dirty="0"/>
-              <a:t> to do </a:t>
-            </a:r>
-            <a:r>
-              <a:rPr lang="sv-SE" dirty="0" err="1"/>
-              <a:t>hotfixes</a:t>
-            </a:r>
-            <a:r>
-              <a:rPr lang="sv-SE" dirty="0"/>
-              <a:t> </a:t>
-            </a:r>
-            <a:r>
-              <a:rPr lang="sv-SE" dirty="0" err="1"/>
-              <a:t>directly</a:t>
-            </a:r>
-            <a:r>
-              <a:rPr lang="sv-SE" dirty="0"/>
-              <a:t> on </a:t>
-            </a:r>
-            <a:r>
-              <a:rPr lang="sv-SE" b="1" dirty="0"/>
-              <a:t>master</a:t>
-            </a:r>
-          </a:p>
-          <a:p>
-            <a:pPr marL="0" indent="0">
+              <a:t>branch</a:t>
+            </a:r>
+            <a:endParaRPr lang="sv-SE" dirty="0"/>
+          </a:p>
+          <a:p>
+            <a:pPr marL="457200" lvl="1" indent="0">
               <a:buNone/>
             </a:pPr>
-            <a:endParaRPr lang="sv-SE" b="1" dirty="0"/>
+            <a:endParaRPr lang="sv-SE" dirty="0"/>
           </a:p>
         </p:txBody>
       </p:sp>
     </p:spTree>
     <p:extLst>
       <p:ext uri="{BB962C8B-B14F-4D97-AF65-F5344CB8AC3E}">
-        <p14:creationId xmlns:p14="http://schemas.microsoft.com/office/powerpoint/2010/main" val="3244505720"/>
+        <p14:creationId xmlns:p14="http://schemas.microsoft.com/office/powerpoint/2010/main" val="1261057457"/>
       </p:ext>
     </p:extLst>
   </p:cSld>
@@ -8900,7 +9401,13 @@
       </p:grpSpPr>
       <p:sp>
         <p:nvSpPr>
-          <p:cNvPr id="2" name="Title 1"/>
+          <p:cNvPr id="2" name="Title 1">
+            <a:extLst>
+              <a:ext uri="{FF2B5EF4-FFF2-40B4-BE49-F238E27FC236}">
+                <a16:creationId xmlns:a16="http://schemas.microsoft.com/office/drawing/2014/main" id="{2DF89EB4-9D44-974F-B6BC-B3E63F056418}"/>
+              </a:ext>
+            </a:extLst>
+          </p:cNvPr>
           <p:cNvSpPr>
             <a:spLocks noGrp="1"/>
           </p:cNvSpPr>
@@ -8914,15 +9421,41 @@
           <a:lstStyle/>
           <a:p>
             <a:r>
-              <a:rPr lang="sv-SE" dirty="0"/>
-              <a:t>Demo</a:t>
-            </a:r>
-          </a:p>
-        </p:txBody>
-      </p:sp>
-      <p:sp>
-        <p:nvSpPr>
-          <p:cNvPr id="3" name="Content Placeholder 2"/>
+              <a:rPr lang="sv-SE" dirty="0" err="1"/>
+              <a:t>working</a:t>
+            </a:r>
+            <a:r>
+              <a:rPr lang="sv-SE" dirty="0"/>
+              <a:t> </a:t>
+            </a:r>
+            <a:r>
+              <a:rPr lang="sv-SE" dirty="0" err="1"/>
+              <a:t>with</a:t>
+            </a:r>
+            <a:r>
+              <a:rPr lang="sv-SE" dirty="0"/>
+              <a:t> </a:t>
+            </a:r>
+            <a:r>
+              <a:rPr lang="sv-SE" dirty="0" err="1"/>
+              <a:t>branches</a:t>
+            </a:r>
+            <a:r>
+              <a:rPr lang="sv-SE" dirty="0"/>
+              <a:t> 2</a:t>
+            </a:r>
+          </a:p>
+        </p:txBody>
+      </p:sp>
+      <p:sp>
+        <p:nvSpPr>
+          <p:cNvPr id="3" name="Content Placeholder 2">
+            <a:extLst>
+              <a:ext uri="{FF2B5EF4-FFF2-40B4-BE49-F238E27FC236}">
+                <a16:creationId xmlns:a16="http://schemas.microsoft.com/office/drawing/2014/main" id="{384BDAEC-6DA2-0345-89C4-7CBF709F694B}"/>
+              </a:ext>
+            </a:extLst>
+          </p:cNvPr>
           <p:cNvSpPr>
             <a:spLocks noGrp="1"/>
           </p:cNvSpPr>
@@ -8936,16 +9469,227 @@
           <a:lstStyle/>
           <a:p>
             <a:r>
+              <a:rPr lang="sv-SE" dirty="0" err="1"/>
+              <a:t>use</a:t>
+            </a:r>
+            <a:r>
+              <a:rPr lang="sv-SE" dirty="0"/>
+              <a:t> a </a:t>
+            </a:r>
+            <a:r>
+              <a:rPr lang="sv-SE" b="1" dirty="0"/>
+              <a:t>master</a:t>
+            </a:r>
+            <a:r>
               <a:rPr lang="sv-SE" dirty="0"/>
               <a:t> </a:t>
             </a:r>
+            <a:r>
+              <a:rPr lang="sv-SE" dirty="0" err="1"/>
+              <a:t>branch</a:t>
+            </a:r>
+            <a:r>
+              <a:rPr lang="sv-SE" dirty="0"/>
+              <a:t> for releases</a:t>
+            </a:r>
+          </a:p>
+          <a:p>
+            <a:r>
+              <a:rPr lang="sv-SE" dirty="0" err="1"/>
+              <a:t>use</a:t>
+            </a:r>
+            <a:r>
+              <a:rPr lang="sv-SE" dirty="0"/>
+              <a:t> a </a:t>
+            </a:r>
+            <a:r>
+              <a:rPr lang="sv-SE" b="1" dirty="0" err="1"/>
+              <a:t>develop</a:t>
+            </a:r>
+            <a:r>
+              <a:rPr lang="sv-SE" dirty="0"/>
+              <a:t> </a:t>
+            </a:r>
+            <a:r>
+              <a:rPr lang="sv-SE" dirty="0" err="1"/>
+              <a:t>branch</a:t>
+            </a:r>
+            <a:r>
+              <a:rPr lang="sv-SE" dirty="0"/>
+              <a:t> for </a:t>
+            </a:r>
+            <a:r>
+              <a:rPr lang="sv-SE" dirty="0" err="1"/>
+              <a:t>ongoing</a:t>
+            </a:r>
+            <a:r>
+              <a:rPr lang="sv-SE" dirty="0"/>
+              <a:t> </a:t>
+            </a:r>
+            <a:r>
+              <a:rPr lang="sv-SE" dirty="0" err="1"/>
+              <a:t>work</a:t>
+            </a:r>
+            <a:endParaRPr lang="sv-SE" dirty="0"/>
+          </a:p>
+          <a:p>
+            <a:r>
+              <a:rPr lang="sv-SE" dirty="0"/>
+              <a:t>still </a:t>
+            </a:r>
+            <a:r>
+              <a:rPr lang="sv-SE" dirty="0" err="1"/>
+              <a:t>use</a:t>
+            </a:r>
+            <a:r>
+              <a:rPr lang="sv-SE" dirty="0"/>
+              <a:t> feature- and bug-</a:t>
+            </a:r>
+            <a:r>
+              <a:rPr lang="sv-SE" dirty="0" err="1"/>
+              <a:t>branches</a:t>
+            </a:r>
+            <a:r>
+              <a:rPr lang="sv-SE" dirty="0"/>
+              <a:t> </a:t>
+            </a:r>
+            <a:r>
+              <a:rPr lang="sv-SE" dirty="0" err="1"/>
+              <a:t>starting</a:t>
+            </a:r>
+            <a:r>
+              <a:rPr lang="sv-SE" dirty="0"/>
+              <a:t> from </a:t>
+            </a:r>
+            <a:r>
+              <a:rPr lang="sv-SE" b="1" dirty="0" err="1"/>
+              <a:t>develop</a:t>
+            </a:r>
+            <a:r>
+              <a:rPr lang="sv-SE" dirty="0"/>
+              <a:t> and </a:t>
+            </a:r>
+            <a:r>
+              <a:rPr lang="sv-SE" dirty="0" err="1"/>
+              <a:t>merge</a:t>
+            </a:r>
+            <a:r>
+              <a:rPr lang="sv-SE" dirty="0"/>
+              <a:t> </a:t>
+            </a:r>
+            <a:r>
+              <a:rPr lang="sv-SE" dirty="0" err="1"/>
+              <a:t>them</a:t>
+            </a:r>
+            <a:r>
+              <a:rPr lang="sv-SE" dirty="0"/>
+              <a:t> back to </a:t>
+            </a:r>
+            <a:r>
+              <a:rPr lang="sv-SE" b="1" dirty="0" err="1"/>
+              <a:t>develop</a:t>
+            </a:r>
+            <a:r>
+              <a:rPr lang="sv-SE" dirty="0"/>
+              <a:t> </a:t>
+            </a:r>
+          </a:p>
+          <a:p>
+            <a:r>
+              <a:rPr lang="sv-SE" dirty="0" err="1"/>
+              <a:t>when</a:t>
+            </a:r>
+            <a:r>
+              <a:rPr lang="sv-SE" dirty="0"/>
+              <a:t> </a:t>
+            </a:r>
+            <a:r>
+              <a:rPr lang="sv-SE" b="1" dirty="0" err="1"/>
+              <a:t>develop</a:t>
+            </a:r>
+            <a:r>
+              <a:rPr lang="sv-SE" dirty="0"/>
+              <a:t> is ready for release it is </a:t>
+            </a:r>
+            <a:r>
+              <a:rPr lang="sv-SE" dirty="0" err="1"/>
+              <a:t>merged</a:t>
+            </a:r>
+            <a:r>
+              <a:rPr lang="sv-SE" dirty="0"/>
+              <a:t> </a:t>
+            </a:r>
+            <a:r>
+              <a:rPr lang="sv-SE" dirty="0" err="1"/>
+              <a:t>into</a:t>
+            </a:r>
+            <a:r>
+              <a:rPr lang="sv-SE" dirty="0"/>
+              <a:t> </a:t>
+            </a:r>
+            <a:r>
+              <a:rPr lang="sv-SE" b="1" dirty="0"/>
+              <a:t>master</a:t>
+            </a:r>
+          </a:p>
+          <a:p>
+            <a:r>
+              <a:rPr lang="sv-SE" dirty="0" err="1"/>
+              <a:t>with</a:t>
+            </a:r>
+            <a:r>
+              <a:rPr lang="sv-SE" dirty="0"/>
+              <a:t> </a:t>
+            </a:r>
+            <a:r>
+              <a:rPr lang="sv-SE" dirty="0" err="1"/>
+              <a:t>this</a:t>
+            </a:r>
+            <a:r>
+              <a:rPr lang="sv-SE" dirty="0"/>
+              <a:t> approach it is </a:t>
+            </a:r>
+            <a:r>
+              <a:rPr lang="sv-SE" dirty="0" err="1"/>
+              <a:t>possible</a:t>
+            </a:r>
+            <a:r>
+              <a:rPr lang="sv-SE" dirty="0"/>
+              <a:t> to do </a:t>
+            </a:r>
+            <a:r>
+              <a:rPr lang="sv-SE" dirty="0" err="1"/>
+              <a:t>hotfixes</a:t>
+            </a:r>
+            <a:r>
+              <a:rPr lang="sv-SE" dirty="0"/>
+              <a:t> </a:t>
+            </a:r>
+            <a:r>
+              <a:rPr lang="sv-SE" dirty="0" err="1"/>
+              <a:t>directly</a:t>
+            </a:r>
+            <a:r>
+              <a:rPr lang="sv-SE" dirty="0"/>
+              <a:t> on </a:t>
+            </a:r>
+            <a:r>
+              <a:rPr lang="sv-SE" b="1" dirty="0"/>
+              <a:t>master</a:t>
+            </a:r>
+          </a:p>
+          <a:p>
+            <a:pPr marL="0" indent="0">
+              <a:buNone/>
+            </a:pPr>
+            <a:endParaRPr lang="sv-SE" b="1" dirty="0"/>
           </a:p>
         </p:txBody>
       </p:sp>
     </p:spTree>
     <p:extLst>
       <p:ext uri="{BB962C8B-B14F-4D97-AF65-F5344CB8AC3E}">
-        <p14:creationId xmlns:p14="http://schemas.microsoft.com/office/powerpoint/2010/main" val="1114909423"/>
+        <p14:creationId xmlns:p14="http://schemas.microsoft.com/office/powerpoint/2010/main" val="3244505720"/>
       </p:ext>
     </p:extLst>
   </p:cSld>
@@ -9547,18 +10291,18 @@
 </file>
 
 <file path=customXml/item1.xml><?xml version="1.0" encoding="utf-8"?>
+<p:properties xmlns:p="http://schemas.microsoft.com/office/2006/metadata/properties" xmlns:xsi="http://www.w3.org/2001/XMLSchema-instance" xmlns:pc="http://schemas.microsoft.com/office/infopath/2007/PartnerControls">
+  <documentManagement/>
+</p:properties>
+</file>
+
+<file path=customXml/item2.xml><?xml version="1.0" encoding="utf-8"?>
 <?mso-contentType ?>
 <FormTemplates xmlns="http://schemas.microsoft.com/sharepoint/v3/contenttype/forms">
   <Display>DocumentLibraryForm</Display>
   <Edit>DocumentLibraryForm</Edit>
   <New>DocumentLibraryForm</New>
 </FormTemplates>
-</file>
-
-<file path=customXml/item2.xml><?xml version="1.0" encoding="utf-8"?>
-<p:properties xmlns:p="http://schemas.microsoft.com/office/2006/metadata/properties" xmlns:xsi="http://www.w3.org/2001/XMLSchema-instance" xmlns:pc="http://schemas.microsoft.com/office/infopath/2007/PartnerControls">
-  <documentManagement/>
-</p:properties>
 </file>
 
 <file path=customXml/item3.xml><?xml version="1.0" encoding="utf-8"?>
@@ -9727,18 +10471,18 @@
 </file>
 
 <file path=customXml/itemProps1.xml><?xml version="1.0" encoding="utf-8"?>
-<ds:datastoreItem xmlns:ds="http://schemas.openxmlformats.org/officeDocument/2006/customXml" ds:itemID="{CE4DDB96-8611-4C18-8F15-4D0CFD7E4681}">
+<ds:datastoreItem xmlns:ds="http://schemas.openxmlformats.org/officeDocument/2006/customXml" ds:itemID="{A538565C-9970-4116-BDA7-9527864CBAF9}">
   <ds:schemaRefs>
-    <ds:schemaRef ds:uri="http://schemas.microsoft.com/sharepoint/v3/contenttype/forms"/>
+    <ds:schemaRef ds:uri="http://schemas.microsoft.com/office/2006/metadata/properties"/>
+    <ds:schemaRef ds:uri="http://schemas.microsoft.com/office/infopath/2007/PartnerControls"/>
   </ds:schemaRefs>
 </ds:datastoreItem>
 </file>
 
 <file path=customXml/itemProps2.xml><?xml version="1.0" encoding="utf-8"?>
-<ds:datastoreItem xmlns:ds="http://schemas.openxmlformats.org/officeDocument/2006/customXml" ds:itemID="{A538565C-9970-4116-BDA7-9527864CBAF9}">
+<ds:datastoreItem xmlns:ds="http://schemas.openxmlformats.org/officeDocument/2006/customXml" ds:itemID="{CE4DDB96-8611-4C18-8F15-4D0CFD7E4681}">
   <ds:schemaRefs>
-    <ds:schemaRef ds:uri="http://schemas.microsoft.com/office/2006/metadata/properties"/>
-    <ds:schemaRef ds:uri="http://schemas.microsoft.com/office/infopath/2007/PartnerControls"/>
+    <ds:schemaRef ds:uri="http://schemas.microsoft.com/sharepoint/v3/contenttype/forms"/>
   </ds:schemaRefs>
 </ds:datastoreItem>
 </file>
